--- a/Independent Study Presentation.pptx
+++ b/Independent Study Presentation.pptx
@@ -9,8 +9,8 @@
     <p:sldId id="258" r:id="rId3"/>
     <p:sldId id="257" r:id="rId4"/>
     <p:sldId id="259" r:id="rId5"/>
-    <p:sldId id="260" r:id="rId6"/>
-    <p:sldId id="261" r:id="rId7"/>
+    <p:sldId id="261" r:id="rId6"/>
+    <p:sldId id="262" r:id="rId7"/>
   </p:sldIdLst>
   <p:sldSz cx="12192000" cy="6858000"/>
   <p:notesSz cx="6858000" cy="9144000"/>
@@ -117,12 +117,20 @@
 </p:presentation>
 </file>
 
+<file path=ppt/revisionInfo.xml><?xml version="1.0" encoding="utf-8"?>
+<p1510:revInfo xmlns:a="http://schemas.openxmlformats.org/drawingml/2006/main" xmlns:r="http://schemas.openxmlformats.org/officeDocument/2006/relationships" xmlns:p1510="http://schemas.microsoft.com/office/powerpoint/2015/10/main">
+  <p1510:revLst>
+    <p1510:client id="{102C10E6-18B6-45B9-B3AE-B2F0D03B9D1A}" v="2" dt="2022-04-27T16:46:27.009"/>
+  </p1510:revLst>
+</p1510:revInfo>
+</file>
+
 <file path=ppt/changesInfos/changesInfo1.xml><?xml version="1.0" encoding="utf-8"?>
 <pc:chgInfo xmlns:a="http://schemas.openxmlformats.org/drawingml/2006/main" xmlns:r="http://schemas.openxmlformats.org/officeDocument/2006/relationships" xmlns:ac="http://schemas.microsoft.com/office/drawing/2013/main/command" xmlns:pc="http://schemas.microsoft.com/office/powerpoint/2013/main/command">
   <pc:docChgLst>
     <pc:chgData name="Voice 49" userId="aab24825df3fe4fa" providerId="LiveId" clId="{102C10E6-18B6-45B9-B3AE-B2F0D03B9D1A}"/>
-    <pc:docChg chg="undo custSel modSld">
-      <pc:chgData name="Voice 49" userId="aab24825df3fe4fa" providerId="LiveId" clId="{102C10E6-18B6-45B9-B3AE-B2F0D03B9D1A}" dt="2022-04-27T00:04:22.355" v="24" actId="20577"/>
+    <pc:docChg chg="undo custSel addSld delSld modSld">
+      <pc:chgData name="Voice 49" userId="aab24825df3fe4fa" providerId="LiveId" clId="{102C10E6-18B6-45B9-B3AE-B2F0D03B9D1A}" dt="2022-04-27T16:49:05.180" v="120" actId="20577"/>
       <pc:docMkLst>
         <pc:docMk/>
       </pc:docMkLst>
@@ -156,6 +164,82 @@
           </ac:spMkLst>
         </pc:spChg>
       </pc:sldChg>
+      <pc:sldChg chg="modSp mod">
+        <pc:chgData name="Voice 49" userId="aab24825df3fe4fa" providerId="LiveId" clId="{102C10E6-18B6-45B9-B3AE-B2F0D03B9D1A}" dt="2022-04-27T16:49:05.180" v="120" actId="20577"/>
+        <pc:sldMkLst>
+          <pc:docMk/>
+          <pc:sldMk cId="3793433764" sldId="258"/>
+        </pc:sldMkLst>
+        <pc:spChg chg="mod">
+          <ac:chgData name="Voice 49" userId="aab24825df3fe4fa" providerId="LiveId" clId="{102C10E6-18B6-45B9-B3AE-B2F0D03B9D1A}" dt="2022-04-27T16:49:05.180" v="120" actId="20577"/>
+          <ac:spMkLst>
+            <pc:docMk/>
+            <pc:sldMk cId="3793433764" sldId="258"/>
+            <ac:spMk id="3" creationId="{90898FEF-D3C4-4F08-9EFC-B435060180CE}"/>
+          </ac:spMkLst>
+        </pc:spChg>
+      </pc:sldChg>
+      <pc:sldChg chg="addSp delSp modSp mod">
+        <pc:chgData name="Voice 49" userId="aab24825df3fe4fa" providerId="LiveId" clId="{102C10E6-18B6-45B9-B3AE-B2F0D03B9D1A}" dt="2022-04-27T16:46:35.908" v="46" actId="20577"/>
+        <pc:sldMkLst>
+          <pc:docMk/>
+          <pc:sldMk cId="3408474171" sldId="259"/>
+        </pc:sldMkLst>
+        <pc:spChg chg="mod">
+          <ac:chgData name="Voice 49" userId="aab24825df3fe4fa" providerId="LiveId" clId="{102C10E6-18B6-45B9-B3AE-B2F0D03B9D1A}" dt="2022-04-27T16:46:35.908" v="46" actId="20577"/>
+          <ac:spMkLst>
+            <pc:docMk/>
+            <pc:sldMk cId="3408474171" sldId="259"/>
+            <ac:spMk id="3" creationId="{3688A345-7668-4D81-B10D-86D9E7547571}"/>
+          </ac:spMkLst>
+        </pc:spChg>
+        <pc:spChg chg="add del mod">
+          <ac:chgData name="Voice 49" userId="aab24825df3fe4fa" providerId="LiveId" clId="{102C10E6-18B6-45B9-B3AE-B2F0D03B9D1A}" dt="2022-04-27T16:46:27.009" v="27"/>
+          <ac:spMkLst>
+            <pc:docMk/>
+            <pc:sldMk cId="3408474171" sldId="259"/>
+            <ac:spMk id="4" creationId="{183948D4-90DE-4FC5-8DC9-2D8525C7925A}"/>
+          </ac:spMkLst>
+        </pc:spChg>
+      </pc:sldChg>
+      <pc:sldChg chg="del">
+        <pc:chgData name="Voice 49" userId="aab24825df3fe4fa" providerId="LiveId" clId="{102C10E6-18B6-45B9-B3AE-B2F0D03B9D1A}" dt="2022-04-27T16:46:37.396" v="47" actId="47"/>
+        <pc:sldMkLst>
+          <pc:docMk/>
+          <pc:sldMk cId="931103195" sldId="260"/>
+        </pc:sldMkLst>
+      </pc:sldChg>
+      <pc:sldChg chg="addSp modSp new mod">
+        <pc:chgData name="Voice 49" userId="aab24825df3fe4fa" providerId="LiveId" clId="{102C10E6-18B6-45B9-B3AE-B2F0D03B9D1A}" dt="2022-04-27T16:48:21.149" v="90" actId="20577"/>
+        <pc:sldMkLst>
+          <pc:docMk/>
+          <pc:sldMk cId="3202750879" sldId="262"/>
+        </pc:sldMkLst>
+        <pc:spChg chg="mod">
+          <ac:chgData name="Voice 49" userId="aab24825df3fe4fa" providerId="LiveId" clId="{102C10E6-18B6-45B9-B3AE-B2F0D03B9D1A}" dt="2022-04-27T16:48:21.149" v="90" actId="20577"/>
+          <ac:spMkLst>
+            <pc:docMk/>
+            <pc:sldMk cId="3202750879" sldId="262"/>
+            <ac:spMk id="2" creationId="{0E88A1A3-EBC2-477F-A503-7AE5A2C5427A}"/>
+          </ac:spMkLst>
+        </pc:spChg>
+        <pc:picChg chg="add mod">
+          <ac:chgData name="Voice 49" userId="aab24825df3fe4fa" providerId="LiveId" clId="{102C10E6-18B6-45B9-B3AE-B2F0D03B9D1A}" dt="2022-04-27T16:47:40.454" v="75" actId="14100"/>
+          <ac:picMkLst>
+            <pc:docMk/>
+            <pc:sldMk cId="3202750879" sldId="262"/>
+            <ac:picMk id="5" creationId="{92DB4B4D-20F7-43A9-A814-10137D798823}"/>
+          </ac:picMkLst>
+        </pc:picChg>
+        <pc:picChg chg="add mod">
+          <ac:chgData name="Voice 49" userId="aab24825df3fe4fa" providerId="LiveId" clId="{102C10E6-18B6-45B9-B3AE-B2F0D03B9D1A}" dt="2022-04-27T16:47:54.921" v="79" actId="14100"/>
+          <ac:picMkLst>
+            <pc:docMk/>
+            <pc:sldMk cId="3202750879" sldId="262"/>
+            <ac:picMk id="7" creationId="{72E4B153-686A-4336-91EF-0ED54F6F8204}"/>
+          </ac:picMkLst>
+        </pc:picChg>
+      </pc:sldChg>
     </pc:docChg>
   </pc:docChgLst>
 </pc:chgInfo>
@@ -308,7 +392,7 @@
           <a:p>
             <a:fld id="{CE49D91A-0936-4768-9058-8C89B4DA0A9F}" type="datetimeFigureOut">
               <a:rPr lang="en-US" smtClean="0"/>
-              <a:t>4/26/2022</a:t>
+              <a:t>4/27/2022</a:t>
             </a:fld>
             <a:endParaRPr lang="en-US"/>
           </a:p>
@@ -506,7 +590,7 @@
           <a:p>
             <a:fld id="{CE49D91A-0936-4768-9058-8C89B4DA0A9F}" type="datetimeFigureOut">
               <a:rPr lang="en-US" smtClean="0"/>
-              <a:t>4/26/2022</a:t>
+              <a:t>4/27/2022</a:t>
             </a:fld>
             <a:endParaRPr lang="en-US"/>
           </a:p>
@@ -714,7 +798,7 @@
           <a:p>
             <a:fld id="{CE49D91A-0936-4768-9058-8C89B4DA0A9F}" type="datetimeFigureOut">
               <a:rPr lang="en-US" smtClean="0"/>
-              <a:t>4/26/2022</a:t>
+              <a:t>4/27/2022</a:t>
             </a:fld>
             <a:endParaRPr lang="en-US"/>
           </a:p>
@@ -912,7 +996,7 @@
           <a:p>
             <a:fld id="{CE49D91A-0936-4768-9058-8C89B4DA0A9F}" type="datetimeFigureOut">
               <a:rPr lang="en-US" smtClean="0"/>
-              <a:t>4/26/2022</a:t>
+              <a:t>4/27/2022</a:t>
             </a:fld>
             <a:endParaRPr lang="en-US"/>
           </a:p>
@@ -1187,7 +1271,7 @@
           <a:p>
             <a:fld id="{CE49D91A-0936-4768-9058-8C89B4DA0A9F}" type="datetimeFigureOut">
               <a:rPr lang="en-US" smtClean="0"/>
-              <a:t>4/26/2022</a:t>
+              <a:t>4/27/2022</a:t>
             </a:fld>
             <a:endParaRPr lang="en-US"/>
           </a:p>
@@ -1452,7 +1536,7 @@
           <a:p>
             <a:fld id="{CE49D91A-0936-4768-9058-8C89B4DA0A9F}" type="datetimeFigureOut">
               <a:rPr lang="en-US" smtClean="0"/>
-              <a:t>4/26/2022</a:t>
+              <a:t>4/27/2022</a:t>
             </a:fld>
             <a:endParaRPr lang="en-US"/>
           </a:p>
@@ -1864,7 +1948,7 @@
           <a:p>
             <a:fld id="{CE49D91A-0936-4768-9058-8C89B4DA0A9F}" type="datetimeFigureOut">
               <a:rPr lang="en-US" smtClean="0"/>
-              <a:t>4/26/2022</a:t>
+              <a:t>4/27/2022</a:t>
             </a:fld>
             <a:endParaRPr lang="en-US"/>
           </a:p>
@@ -2005,7 +2089,7 @@
           <a:p>
             <a:fld id="{CE49D91A-0936-4768-9058-8C89B4DA0A9F}" type="datetimeFigureOut">
               <a:rPr lang="en-US" smtClean="0"/>
-              <a:t>4/26/2022</a:t>
+              <a:t>4/27/2022</a:t>
             </a:fld>
             <a:endParaRPr lang="en-US"/>
           </a:p>
@@ -2118,7 +2202,7 @@
           <a:p>
             <a:fld id="{CE49D91A-0936-4768-9058-8C89B4DA0A9F}" type="datetimeFigureOut">
               <a:rPr lang="en-US" smtClean="0"/>
-              <a:t>4/26/2022</a:t>
+              <a:t>4/27/2022</a:t>
             </a:fld>
             <a:endParaRPr lang="en-US"/>
           </a:p>
@@ -2429,7 +2513,7 @@
           <a:p>
             <a:fld id="{CE49D91A-0936-4768-9058-8C89B4DA0A9F}" type="datetimeFigureOut">
               <a:rPr lang="en-US" smtClean="0"/>
-              <a:t>4/26/2022</a:t>
+              <a:t>4/27/2022</a:t>
             </a:fld>
             <a:endParaRPr lang="en-US"/>
           </a:p>
@@ -2717,7 +2801,7 @@
           <a:p>
             <a:fld id="{CE49D91A-0936-4768-9058-8C89B4DA0A9F}" type="datetimeFigureOut">
               <a:rPr lang="en-US" smtClean="0"/>
-              <a:t>4/26/2022</a:t>
+              <a:t>4/27/2022</a:t>
             </a:fld>
             <a:endParaRPr lang="en-US"/>
           </a:p>
@@ -2958,7 +3042,7 @@
           <a:p>
             <a:fld id="{CE49D91A-0936-4768-9058-8C89B4DA0A9F}" type="datetimeFigureOut">
               <a:rPr lang="en-US" smtClean="0"/>
-              <a:t>4/26/2022</a:t>
+              <a:t>4/27/2022</a:t>
             </a:fld>
             <a:endParaRPr lang="en-US"/>
           </a:p>
@@ -3559,34 +3643,30 @@
           </a:bodyPr>
           <a:lstStyle/>
           <a:p>
-            <a:r>
-              <a:rPr lang="en-US" sz="2400" dirty="0">
+            <a:pPr marL="0" indent="0">
+              <a:buNone/>
+            </a:pPr>
+            <a:r>
+              <a:rPr lang="en-US" dirty="0">
+                <a:solidFill>
+                  <a:srgbClr val="000000"/>
+                </a:solidFill>
+                <a:latin typeface="Cascadia Mono" panose="020B0609020000020004" pitchFamily="49" charset="0"/>
+              </a:rPr>
+              <a:t>Using google api.js</a:t>
+            </a:r>
+          </a:p>
+          <a:p>
+            <a:pPr marL="0" indent="0">
+              <a:buNone/>
+            </a:pPr>
+            <a:r>
+              <a:rPr lang="en-US" sz="1800" dirty="0">
                 <a:solidFill>
                   <a:srgbClr val="800000"/>
                 </a:solidFill>
                 <a:latin typeface="Cascadia Mono" panose="020B0609020000020004" pitchFamily="49" charset="0"/>
               </a:rPr>
-              <a:t>append</a:t>
-            </a:r>
-            <a:r>
-              <a:rPr lang="en-US" sz="2400" dirty="0">
-                <a:solidFill>
-                  <a:srgbClr val="000000"/>
-                </a:solidFill>
-                <a:latin typeface="Cascadia Mono" panose="020B0609020000020004" pitchFamily="49" charset="0"/>
-              </a:rPr>
-              <a:t> scripts</a:t>
-            </a:r>
-          </a:p>
-          <a:p>
-            <a:pPr lvl="1"/>
-            <a:r>
-              <a:rPr lang="en-US" sz="1800" dirty="0">
-                <a:solidFill>
-                  <a:srgbClr val="800000"/>
-                </a:solidFill>
-                <a:latin typeface="Cascadia Mono" panose="020B0609020000020004" pitchFamily="49" charset="0"/>
-              </a:rPr>
               <a:t>script</a:t>
             </a:r>
             <a:r>
@@ -3645,15 +3725,17 @@
             </a:r>
           </a:p>
           <a:p>
-            <a:r>
-              <a:rPr lang="en-US" dirty="0" err="1">
-                <a:solidFill>
-                  <a:srgbClr val="000000"/>
-                </a:solidFill>
-                <a:latin typeface="Cascadia Mono" panose="020B0609020000020004" pitchFamily="49" charset="0"/>
-              </a:rPr>
-              <a:t>Api</a:t>
-            </a:r>
+            <a:endParaRPr lang="en-US" dirty="0">
+              <a:solidFill>
+                <a:srgbClr val="000000"/>
+              </a:solidFill>
+              <a:latin typeface="Cascadia Mono" panose="020B0609020000020004" pitchFamily="49" charset="0"/>
+            </a:endParaRPr>
+          </a:p>
+          <a:p>
+            <a:pPr marL="0" indent="0">
+              <a:buNone/>
+            </a:pPr>
             <a:r>
               <a:rPr lang="en-US" dirty="0">
                 <a:solidFill>
@@ -3661,7 +3743,7 @@
                 </a:solidFill>
                 <a:latin typeface="Cascadia Mono" panose="020B0609020000020004" pitchFamily="49" charset="0"/>
               </a:rPr>
-              <a:t> key obtained from google cloud platform</a:t>
+              <a:t>API key obtained from google cloud platform</a:t>
             </a:r>
           </a:p>
           <a:p>
@@ -4372,6 +4454,68 @@
               </a:rPr>
               <a:t>};</a:t>
             </a:r>
+          </a:p>
+          <a:p>
+            <a:r>
+              <a:rPr lang="en-US" sz="1800" dirty="0">
+                <a:solidFill>
+                  <a:srgbClr val="000000"/>
+                </a:solidFill>
+                <a:latin typeface="Cascadia Mono" panose="020B0609020000020004" pitchFamily="49" charset="0"/>
+              </a:rPr>
+              <a:t>Sending request</a:t>
+            </a:r>
+          </a:p>
+          <a:p>
+            <a:r>
+              <a:rPr lang="en-US" sz="1800" dirty="0" err="1">
+                <a:solidFill>
+                  <a:srgbClr val="000000"/>
+                </a:solidFill>
+                <a:latin typeface="Cascadia Mono" panose="020B0609020000020004" pitchFamily="49" charset="0"/>
+              </a:rPr>
+              <a:t>gapi.client.youtube.search.list</a:t>
+            </a:r>
+            <a:r>
+              <a:rPr lang="en-US" sz="1800" dirty="0">
+                <a:solidFill>
+                  <a:srgbClr val="000000"/>
+                </a:solidFill>
+                <a:latin typeface="Cascadia Mono" panose="020B0609020000020004" pitchFamily="49" charset="0"/>
+              </a:rPr>
+              <a:t>(</a:t>
+            </a:r>
+            <a:r>
+              <a:rPr lang="en-US" sz="1800" dirty="0" err="1">
+                <a:solidFill>
+                  <a:srgbClr val="000000"/>
+                </a:solidFill>
+                <a:latin typeface="Cascadia Mono" panose="020B0609020000020004" pitchFamily="49" charset="0"/>
+              </a:rPr>
+              <a:t>searchSettings</a:t>
+            </a:r>
+            <a:r>
+              <a:rPr lang="en-US" sz="1800" dirty="0">
+                <a:solidFill>
+                  <a:srgbClr val="000000"/>
+                </a:solidFill>
+                <a:latin typeface="Cascadia Mono" panose="020B0609020000020004" pitchFamily="49" charset="0"/>
+              </a:rPr>
+              <a:t>) </a:t>
+            </a:r>
+          </a:p>
+          <a:p>
+            <a:pPr marL="0" indent="0">
+              <a:buNone/>
+            </a:pPr>
+            <a:endParaRPr lang="en-US" sz="1800" dirty="0">
+              <a:solidFill>
+                <a:srgbClr val="000000"/>
+              </a:solidFill>
+              <a:latin typeface="Cascadia Mono" panose="020B0609020000020004" pitchFamily="49" charset="0"/>
+            </a:endParaRPr>
+          </a:p>
+          <a:p>
             <a:endParaRPr lang="en-US" dirty="0"/>
           </a:p>
         </p:txBody>
@@ -4411,7 +4555,7 @@
           <p:cNvPr id="2" name="Title 1">
             <a:extLst>
               <a:ext uri="{FF2B5EF4-FFF2-40B4-BE49-F238E27FC236}">
-                <a16:creationId xmlns:a16="http://schemas.microsoft.com/office/drawing/2014/main" id="{392AA090-8B61-4065-B719-CC478759E35F}"/>
+                <a16:creationId xmlns:a16="http://schemas.microsoft.com/office/drawing/2014/main" id="{5BB5F081-B1D7-4DE4-A007-C09614CC67F2}"/>
               </a:ext>
             </a:extLst>
           </p:cNvPr>
@@ -4429,7 +4573,7 @@
           <a:p>
             <a:r>
               <a:rPr lang="en-US" dirty="0"/>
-              <a:t>Sending request</a:t>
+              <a:t>Organize Response</a:t>
             </a:r>
           </a:p>
         </p:txBody>
@@ -4439,7 +4583,7 @@
           <p:cNvPr id="3" name="Content Placeholder 2">
             <a:extLst>
               <a:ext uri="{FF2B5EF4-FFF2-40B4-BE49-F238E27FC236}">
-                <a16:creationId xmlns:a16="http://schemas.microsoft.com/office/drawing/2014/main" id="{E9127730-6101-4DD0-B8BD-C290BE195BD9}"/>
+                <a16:creationId xmlns:a16="http://schemas.microsoft.com/office/drawing/2014/main" id="{45E1547A-450B-4015-A979-D326840B6C0A}"/>
               </a:ext>
             </a:extLst>
           </p:cNvPr>
@@ -4450,24 +4594,102 @@
             <p:ph idx="1"/>
           </p:nvPr>
         </p:nvSpPr>
-        <p:spPr/>
+        <p:spPr>
+          <a:xfrm>
+            <a:off x="6496758" y="1932869"/>
+            <a:ext cx="5020733" cy="4351338"/>
+          </a:xfrm>
+        </p:spPr>
         <p:txBody>
           <a:bodyPr>
-            <a:normAutofit/>
+            <a:normAutofit fontScale="77500" lnSpcReduction="20000"/>
           </a:bodyPr>
           <a:lstStyle/>
           <a:p>
             <a:r>
-              <a:rPr lang="en-US" sz="2400" dirty="0" err="1">
-                <a:solidFill>
-                  <a:srgbClr val="000000"/>
-                </a:solidFill>
-                <a:latin typeface="Cascadia Mono" panose="020B0609020000020004" pitchFamily="49" charset="0"/>
-              </a:rPr>
-              <a:t>gapi.client.youtube.search.list</a:t>
-            </a:r>
-            <a:r>
-              <a:rPr lang="en-US" sz="2400" dirty="0">
+              <a:rPr lang="en-US" sz="1800" dirty="0">
+                <a:solidFill>
+                  <a:srgbClr val="008000"/>
+                </a:solidFill>
+                <a:latin typeface="Cascadia Mono" panose="020B0609020000020004" pitchFamily="49" charset="0"/>
+              </a:rPr>
+              <a:t>//Video thumbnail </a:t>
+            </a:r>
+            <a:endParaRPr lang="en-US" sz="1800" dirty="0">
+              <a:solidFill>
+                <a:srgbClr val="000000"/>
+              </a:solidFill>
+              <a:latin typeface="Cascadia Mono" panose="020B0609020000020004" pitchFamily="49" charset="0"/>
+            </a:endParaRPr>
+          </a:p>
+          <a:p>
+            <a:r>
+              <a:rPr lang="en-US" sz="1800" dirty="0">
+                <a:solidFill>
+                  <a:srgbClr val="0000FF"/>
+                </a:solidFill>
+                <a:latin typeface="Cascadia Mono" panose="020B0609020000020004" pitchFamily="49" charset="0"/>
+              </a:rPr>
+              <a:t>let</a:t>
+            </a:r>
+            <a:r>
+              <a:rPr lang="en-US" sz="1800" dirty="0">
+                <a:solidFill>
+                  <a:srgbClr val="000000"/>
+                </a:solidFill>
+                <a:latin typeface="Cascadia Mono" panose="020B0609020000020004" pitchFamily="49" charset="0"/>
+              </a:rPr>
+              <a:t> thumbnail = $(</a:t>
+            </a:r>
+            <a:r>
+              <a:rPr lang="en-US" sz="1800" dirty="0">
+                <a:solidFill>
+                  <a:srgbClr val="A31515"/>
+                </a:solidFill>
+                <a:latin typeface="Cascadia Mono" panose="020B0609020000020004" pitchFamily="49" charset="0"/>
+              </a:rPr>
+              <a:t>'&lt;</a:t>
+            </a:r>
+            <a:r>
+              <a:rPr lang="en-US" sz="1800" dirty="0" err="1">
+                <a:solidFill>
+                  <a:srgbClr val="A31515"/>
+                </a:solidFill>
+                <a:latin typeface="Cascadia Mono" panose="020B0609020000020004" pitchFamily="49" charset="0"/>
+              </a:rPr>
+              <a:t>img</a:t>
+            </a:r>
+            <a:r>
+              <a:rPr lang="en-US" sz="1800" dirty="0">
+                <a:solidFill>
+                  <a:srgbClr val="A31515"/>
+                </a:solidFill>
+                <a:latin typeface="Cascadia Mono" panose="020B0609020000020004" pitchFamily="49" charset="0"/>
+              </a:rPr>
+              <a:t>&gt;'</a:t>
+            </a:r>
+            <a:r>
+              <a:rPr lang="en-US" sz="1800" dirty="0">
+                <a:solidFill>
+                  <a:srgbClr val="000000"/>
+                </a:solidFill>
+                <a:latin typeface="Cascadia Mono" panose="020B0609020000020004" pitchFamily="49" charset="0"/>
+              </a:rPr>
+              <a:t>);</a:t>
+            </a:r>
+          </a:p>
+          <a:p>
+            <a:r>
+              <a:rPr lang="en-US" sz="1800" dirty="0" err="1">
+                <a:solidFill>
+                  <a:srgbClr val="000000"/>
+                </a:solidFill>
+                <a:latin typeface="Cascadia Mono" panose="020B0609020000020004" pitchFamily="49" charset="0"/>
+              </a:rPr>
+              <a:t>thumbnail.attr</a:t>
+            </a:r>
+            <a:r>
+              <a:rPr lang="en-US" sz="1800" dirty="0">
                 <a:solidFill>
                   <a:srgbClr val="000000"/>
                 </a:solidFill>
@@ -4476,30 +4698,1042 @@
               <a:t>(</a:t>
             </a:r>
             <a:r>
-              <a:rPr lang="en-US" sz="2400" dirty="0" err="1">
-                <a:solidFill>
-                  <a:srgbClr val="000000"/>
-                </a:solidFill>
-                <a:latin typeface="Cascadia Mono" panose="020B0609020000020004" pitchFamily="49" charset="0"/>
-              </a:rPr>
-              <a:t>searchSettings</a:t>
-            </a:r>
-            <a:r>
-              <a:rPr lang="en-US" sz="2400" dirty="0">
-                <a:solidFill>
-                  <a:srgbClr val="000000"/>
-                </a:solidFill>
-                <a:latin typeface="Cascadia Mono" panose="020B0609020000020004" pitchFamily="49" charset="0"/>
-              </a:rPr>
-              <a:t>) </a:t>
-            </a:r>
+              <a:rPr lang="en-US" sz="1800" dirty="0">
+                <a:solidFill>
+                  <a:srgbClr val="A31515"/>
+                </a:solidFill>
+                <a:latin typeface="Cascadia Mono" panose="020B0609020000020004" pitchFamily="49" charset="0"/>
+              </a:rPr>
+              <a:t>'</a:t>
+            </a:r>
+            <a:r>
+              <a:rPr lang="en-US" sz="1800" dirty="0" err="1">
+                <a:solidFill>
+                  <a:srgbClr val="A31515"/>
+                </a:solidFill>
+                <a:latin typeface="Cascadia Mono" panose="020B0609020000020004" pitchFamily="49" charset="0"/>
+              </a:rPr>
+              <a:t>src</a:t>
+            </a:r>
+            <a:r>
+              <a:rPr lang="en-US" sz="1800" dirty="0">
+                <a:solidFill>
+                  <a:srgbClr val="A31515"/>
+                </a:solidFill>
+                <a:latin typeface="Cascadia Mono" panose="020B0609020000020004" pitchFamily="49" charset="0"/>
+              </a:rPr>
+              <a:t>'</a:t>
+            </a:r>
+            <a:r>
+              <a:rPr lang="en-US" sz="1800" dirty="0">
+                <a:solidFill>
+                  <a:srgbClr val="000000"/>
+                </a:solidFill>
+                <a:latin typeface="Cascadia Mono" panose="020B0609020000020004" pitchFamily="49" charset="0"/>
+              </a:rPr>
+              <a:t>, </a:t>
+            </a:r>
+            <a:r>
+              <a:rPr lang="en-US" sz="1800" dirty="0">
+                <a:solidFill>
+                  <a:srgbClr val="A31515"/>
+                </a:solidFill>
+                <a:latin typeface="Cascadia Mono" panose="020B0609020000020004" pitchFamily="49" charset="0"/>
+              </a:rPr>
+              <a:t>"http://i3.ytimg.com/vi/"</a:t>
+            </a:r>
+            <a:r>
+              <a:rPr lang="en-US" sz="1800" dirty="0">
+                <a:solidFill>
+                  <a:srgbClr val="000000"/>
+                </a:solidFill>
+                <a:latin typeface="Cascadia Mono" panose="020B0609020000020004" pitchFamily="49" charset="0"/>
+              </a:rPr>
+              <a:t> + ID + </a:t>
+            </a:r>
+            <a:r>
+              <a:rPr lang="en-US" sz="1800" dirty="0">
+                <a:solidFill>
+                  <a:srgbClr val="A31515"/>
+                </a:solidFill>
+                <a:latin typeface="Cascadia Mono" panose="020B0609020000020004" pitchFamily="49" charset="0"/>
+              </a:rPr>
+              <a:t>"/hqdefault.jpg"</a:t>
+            </a:r>
+            <a:r>
+              <a:rPr lang="en-US" sz="1800" dirty="0">
+                <a:solidFill>
+                  <a:srgbClr val="000000"/>
+                </a:solidFill>
+                <a:latin typeface="Cascadia Mono" panose="020B0609020000020004" pitchFamily="49" charset="0"/>
+              </a:rPr>
+              <a:t>)</a:t>
+            </a:r>
+          </a:p>
+          <a:p>
+            <a:r>
+              <a:rPr lang="en-US" sz="1800" dirty="0" err="1">
+                <a:solidFill>
+                  <a:srgbClr val="000000"/>
+                </a:solidFill>
+                <a:latin typeface="Cascadia Mono" panose="020B0609020000020004" pitchFamily="49" charset="0"/>
+              </a:rPr>
+              <a:t>thumbnail.attr</a:t>
+            </a:r>
+            <a:r>
+              <a:rPr lang="en-US" sz="1800" dirty="0">
+                <a:solidFill>
+                  <a:srgbClr val="000000"/>
+                </a:solidFill>
+                <a:latin typeface="Cascadia Mono" panose="020B0609020000020004" pitchFamily="49" charset="0"/>
+              </a:rPr>
+              <a:t>(</a:t>
+            </a:r>
+            <a:r>
+              <a:rPr lang="en-US" sz="1800" dirty="0">
+                <a:solidFill>
+                  <a:srgbClr val="A31515"/>
+                </a:solidFill>
+                <a:latin typeface="Cascadia Mono" panose="020B0609020000020004" pitchFamily="49" charset="0"/>
+              </a:rPr>
+              <a:t>'</a:t>
+            </a:r>
+            <a:r>
+              <a:rPr lang="en-US" sz="1800" dirty="0" err="1">
+                <a:solidFill>
+                  <a:srgbClr val="A31515"/>
+                </a:solidFill>
+                <a:latin typeface="Cascadia Mono" panose="020B0609020000020004" pitchFamily="49" charset="0"/>
+              </a:rPr>
+              <a:t>id'</a:t>
+            </a:r>
+            <a:r>
+              <a:rPr lang="en-US" sz="1800" dirty="0" err="1">
+                <a:solidFill>
+                  <a:srgbClr val="000000"/>
+                </a:solidFill>
+                <a:latin typeface="Cascadia Mono" panose="020B0609020000020004" pitchFamily="49" charset="0"/>
+              </a:rPr>
+              <a:t>,</a:t>
+            </a:r>
+            <a:r>
+              <a:rPr lang="en-US" sz="1800" dirty="0" err="1">
+                <a:solidFill>
+                  <a:srgbClr val="A31515"/>
+                </a:solidFill>
+                <a:latin typeface="Cascadia Mono" panose="020B0609020000020004" pitchFamily="49" charset="0"/>
+              </a:rPr>
+              <a:t>'thumbnail</a:t>
+            </a:r>
+            <a:r>
+              <a:rPr lang="en-US" sz="1800" dirty="0">
+                <a:solidFill>
+                  <a:srgbClr val="A31515"/>
+                </a:solidFill>
+                <a:latin typeface="Cascadia Mono" panose="020B0609020000020004" pitchFamily="49" charset="0"/>
+              </a:rPr>
+              <a:t>'</a:t>
+            </a:r>
+            <a:r>
+              <a:rPr lang="en-US" sz="1800" dirty="0">
+                <a:solidFill>
+                  <a:srgbClr val="000000"/>
+                </a:solidFill>
+                <a:latin typeface="Cascadia Mono" panose="020B0609020000020004" pitchFamily="49" charset="0"/>
+              </a:rPr>
+              <a:t>)</a:t>
+            </a:r>
+          </a:p>
+          <a:p>
+            <a:r>
+              <a:rPr lang="en-US" sz="1800" dirty="0" err="1">
+                <a:solidFill>
+                  <a:srgbClr val="000000"/>
+                </a:solidFill>
+                <a:latin typeface="Cascadia Mono" panose="020B0609020000020004" pitchFamily="49" charset="0"/>
+              </a:rPr>
+              <a:t>a.append</a:t>
+            </a:r>
+            <a:r>
+              <a:rPr lang="en-US" sz="1800" dirty="0">
+                <a:solidFill>
+                  <a:srgbClr val="000000"/>
+                </a:solidFill>
+                <a:latin typeface="Cascadia Mono" panose="020B0609020000020004" pitchFamily="49" charset="0"/>
+              </a:rPr>
+              <a:t>(thumbnail)</a:t>
+            </a:r>
+          </a:p>
+          <a:p>
+            <a:r>
+              <a:rPr lang="en-US" sz="1800" dirty="0">
+                <a:solidFill>
+                  <a:srgbClr val="008000"/>
+                </a:solidFill>
+                <a:latin typeface="Cascadia Mono" panose="020B0609020000020004" pitchFamily="49" charset="0"/>
+              </a:rPr>
+              <a:t>//Video title</a:t>
+            </a:r>
+            <a:endParaRPr lang="en-US" sz="1800" dirty="0">
+              <a:solidFill>
+                <a:srgbClr val="000000"/>
+              </a:solidFill>
+              <a:latin typeface="Cascadia Mono" panose="020B0609020000020004" pitchFamily="49" charset="0"/>
+            </a:endParaRPr>
+          </a:p>
+          <a:p>
+            <a:r>
+              <a:rPr lang="en-US" sz="1800" dirty="0">
+                <a:solidFill>
+                  <a:srgbClr val="0000FF"/>
+                </a:solidFill>
+                <a:latin typeface="Cascadia Mono" panose="020B0609020000020004" pitchFamily="49" charset="0"/>
+              </a:rPr>
+              <a:t>let</a:t>
+            </a:r>
+            <a:r>
+              <a:rPr lang="en-US" sz="1800" dirty="0">
+                <a:solidFill>
+                  <a:srgbClr val="000000"/>
+                </a:solidFill>
+                <a:latin typeface="Cascadia Mono" panose="020B0609020000020004" pitchFamily="49" charset="0"/>
+              </a:rPr>
+              <a:t> label = $(</a:t>
+            </a:r>
+            <a:r>
+              <a:rPr lang="en-US" sz="1800" dirty="0">
+                <a:solidFill>
+                  <a:srgbClr val="A31515"/>
+                </a:solidFill>
+                <a:latin typeface="Cascadia Mono" panose="020B0609020000020004" pitchFamily="49" charset="0"/>
+              </a:rPr>
+              <a:t>'&lt;span&gt;'</a:t>
+            </a:r>
+            <a:r>
+              <a:rPr lang="en-US" sz="1800" dirty="0">
+                <a:solidFill>
+                  <a:srgbClr val="000000"/>
+                </a:solidFill>
+                <a:latin typeface="Cascadia Mono" panose="020B0609020000020004" pitchFamily="49" charset="0"/>
+              </a:rPr>
+              <a:t>);</a:t>
+            </a:r>
+          </a:p>
+          <a:p>
+            <a:r>
+              <a:rPr lang="en-US" sz="1800" dirty="0" err="1">
+                <a:solidFill>
+                  <a:srgbClr val="000000"/>
+                </a:solidFill>
+                <a:latin typeface="Cascadia Mono" panose="020B0609020000020004" pitchFamily="49" charset="0"/>
+              </a:rPr>
+              <a:t>label.append</a:t>
+            </a:r>
+            <a:r>
+              <a:rPr lang="en-US" sz="1800" dirty="0">
+                <a:solidFill>
+                  <a:srgbClr val="000000"/>
+                </a:solidFill>
+                <a:latin typeface="Cascadia Mono" panose="020B0609020000020004" pitchFamily="49" charset="0"/>
+              </a:rPr>
+              <a:t>(</a:t>
+            </a:r>
+            <a:r>
+              <a:rPr lang="en-US" sz="1800" dirty="0" err="1">
+                <a:solidFill>
+                  <a:srgbClr val="000000"/>
+                </a:solidFill>
+                <a:latin typeface="Cascadia Mono" panose="020B0609020000020004" pitchFamily="49" charset="0"/>
+              </a:rPr>
+              <a:t>document.createTextNode</a:t>
+            </a:r>
+            <a:r>
+              <a:rPr lang="en-US" sz="1800" dirty="0">
+                <a:solidFill>
+                  <a:srgbClr val="000000"/>
+                </a:solidFill>
+                <a:latin typeface="Cascadia Mono" panose="020B0609020000020004" pitchFamily="49" charset="0"/>
+              </a:rPr>
+              <a:t>(title));</a:t>
+            </a:r>
+          </a:p>
+          <a:p>
+            <a:endParaRPr lang="en-US" sz="1800" dirty="0">
+              <a:solidFill>
+                <a:srgbClr val="000000"/>
+              </a:solidFill>
+              <a:latin typeface="Cascadia Mono" panose="020B0609020000020004" pitchFamily="49" charset="0"/>
+            </a:endParaRPr>
+          </a:p>
+          <a:p>
+            <a:r>
+              <a:rPr lang="en-US" sz="1800" dirty="0">
+                <a:solidFill>
+                  <a:srgbClr val="008000"/>
+                </a:solidFill>
+                <a:latin typeface="Cascadia Mono" panose="020B0609020000020004" pitchFamily="49" charset="0"/>
+              </a:rPr>
+              <a:t>//Append list to </a:t>
+            </a:r>
+            <a:r>
+              <a:rPr lang="en-US" sz="1800" dirty="0" err="1">
+                <a:solidFill>
+                  <a:srgbClr val="008000"/>
+                </a:solidFill>
+                <a:latin typeface="Cascadia Mono" panose="020B0609020000020004" pitchFamily="49" charset="0"/>
+              </a:rPr>
+              <a:t>Div</a:t>
+            </a:r>
+            <a:endParaRPr lang="en-US" sz="1800" dirty="0">
+              <a:solidFill>
+                <a:srgbClr val="000000"/>
+              </a:solidFill>
+              <a:latin typeface="Cascadia Mono" panose="020B0609020000020004" pitchFamily="49" charset="0"/>
+            </a:endParaRPr>
+          </a:p>
+          <a:p>
+            <a:r>
+              <a:rPr lang="en-US" sz="1800" dirty="0" err="1">
+                <a:solidFill>
+                  <a:srgbClr val="000000"/>
+                </a:solidFill>
+                <a:latin typeface="Cascadia Mono" panose="020B0609020000020004" pitchFamily="49" charset="0"/>
+              </a:rPr>
+              <a:t>imageBox.append</a:t>
+            </a:r>
+            <a:r>
+              <a:rPr lang="en-US" sz="1800" dirty="0">
+                <a:solidFill>
+                  <a:srgbClr val="000000"/>
+                </a:solidFill>
+                <a:latin typeface="Cascadia Mono" panose="020B0609020000020004" pitchFamily="49" charset="0"/>
+              </a:rPr>
+              <a:t>(a)</a:t>
+            </a:r>
+          </a:p>
+          <a:p>
+            <a:r>
+              <a:rPr lang="en-US" sz="1800" dirty="0" err="1">
+                <a:solidFill>
+                  <a:srgbClr val="000000"/>
+                </a:solidFill>
+                <a:latin typeface="Cascadia Mono" panose="020B0609020000020004" pitchFamily="49" charset="0"/>
+              </a:rPr>
+              <a:t>imageBox.append</a:t>
+            </a:r>
+            <a:r>
+              <a:rPr lang="en-US" sz="1800" dirty="0">
+                <a:solidFill>
+                  <a:srgbClr val="000000"/>
+                </a:solidFill>
+                <a:latin typeface="Cascadia Mono" panose="020B0609020000020004" pitchFamily="49" charset="0"/>
+              </a:rPr>
+              <a:t>(label)</a:t>
+            </a:r>
+          </a:p>
+          <a:p>
+            <a:r>
+              <a:rPr lang="en-US" sz="1800" dirty="0" err="1">
+                <a:solidFill>
+                  <a:srgbClr val="000000"/>
+                </a:solidFill>
+                <a:latin typeface="Cascadia Mono" panose="020B0609020000020004" pitchFamily="49" charset="0"/>
+              </a:rPr>
+              <a:t>videoDiv.append</a:t>
+            </a:r>
+            <a:r>
+              <a:rPr lang="en-US" sz="1800" dirty="0">
+                <a:solidFill>
+                  <a:srgbClr val="000000"/>
+                </a:solidFill>
+                <a:latin typeface="Cascadia Mono" panose="020B0609020000020004" pitchFamily="49" charset="0"/>
+              </a:rPr>
+              <a:t>(</a:t>
+            </a:r>
+            <a:r>
+              <a:rPr lang="en-US" sz="1800" dirty="0" err="1">
+                <a:solidFill>
+                  <a:srgbClr val="000000"/>
+                </a:solidFill>
+                <a:latin typeface="Cascadia Mono" panose="020B0609020000020004" pitchFamily="49" charset="0"/>
+              </a:rPr>
+              <a:t>imageBox</a:t>
+            </a:r>
+            <a:r>
+              <a:rPr lang="en-US" sz="1800" dirty="0">
+                <a:solidFill>
+                  <a:srgbClr val="000000"/>
+                </a:solidFill>
+                <a:latin typeface="Cascadia Mono" panose="020B0609020000020004" pitchFamily="49" charset="0"/>
+              </a:rPr>
+              <a:t>)</a:t>
+            </a:r>
+          </a:p>
+          <a:p>
+            <a:r>
+              <a:rPr lang="en-US" sz="1800" dirty="0">
+                <a:solidFill>
+                  <a:srgbClr val="000000"/>
+                </a:solidFill>
+                <a:latin typeface="Cascadia Mono" panose="020B0609020000020004" pitchFamily="49" charset="0"/>
+              </a:rPr>
+              <a:t>})</a:t>
+            </a:r>
+            <a:endParaRPr lang="en-US" dirty="0"/>
+          </a:p>
+        </p:txBody>
+      </p:sp>
+      <p:sp>
+        <p:nvSpPr>
+          <p:cNvPr id="4" name="Content Placeholder 2">
+            <a:extLst>
+              <a:ext uri="{FF2B5EF4-FFF2-40B4-BE49-F238E27FC236}">
+                <a16:creationId xmlns:a16="http://schemas.microsoft.com/office/drawing/2014/main" id="{2F8491DA-9C19-4CF4-A69E-3B9FC524AB7A}"/>
+              </a:ext>
+            </a:extLst>
+          </p:cNvPr>
+          <p:cNvSpPr txBox="1">
+            <a:spLocks/>
+          </p:cNvSpPr>
+          <p:nvPr/>
+        </p:nvSpPr>
+        <p:spPr>
+          <a:xfrm>
+            <a:off x="674511" y="1932869"/>
+            <a:ext cx="5020733" cy="4351338"/>
+          </a:xfrm>
+          <a:prstGeom prst="rect">
+            <a:avLst/>
+          </a:prstGeom>
+        </p:spPr>
+        <p:txBody>
+          <a:bodyPr vert="horz" lIns="91440" tIns="45720" rIns="91440" bIns="45720" rtlCol="0">
+            <a:noAutofit/>
+          </a:bodyPr>
+          <a:lstStyle>
+            <a:lvl1pPr marL="228600" indent="-228600" algn="l" defTabSz="914400" rtl="0" eaLnBrk="1" latinLnBrk="0" hangingPunct="1">
+              <a:lnSpc>
+                <a:spcPct val="90000"/>
+              </a:lnSpc>
+              <a:spcBef>
+                <a:spcPts val="1000"/>
+              </a:spcBef>
+              <a:buFont typeface="Arial" panose="020B0604020202020204" pitchFamily="34" charset="0"/>
+              <a:buChar char="•"/>
+              <a:defRPr sz="2800" kern="1200">
+                <a:solidFill>
+                  <a:schemeClr val="tx1"/>
+                </a:solidFill>
+                <a:latin typeface="+mn-lt"/>
+                <a:ea typeface="+mn-ea"/>
+                <a:cs typeface="+mn-cs"/>
+              </a:defRPr>
+            </a:lvl1pPr>
+            <a:lvl2pPr marL="685800" indent="-228600" algn="l" defTabSz="914400" rtl="0" eaLnBrk="1" latinLnBrk="0" hangingPunct="1">
+              <a:lnSpc>
+                <a:spcPct val="90000"/>
+              </a:lnSpc>
+              <a:spcBef>
+                <a:spcPts val="500"/>
+              </a:spcBef>
+              <a:buFont typeface="Arial" panose="020B0604020202020204" pitchFamily="34" charset="0"/>
+              <a:buChar char="•"/>
+              <a:defRPr sz="2400" kern="1200">
+                <a:solidFill>
+                  <a:schemeClr val="tx1"/>
+                </a:solidFill>
+                <a:latin typeface="+mn-lt"/>
+                <a:ea typeface="+mn-ea"/>
+                <a:cs typeface="+mn-cs"/>
+              </a:defRPr>
+            </a:lvl2pPr>
+            <a:lvl3pPr marL="1143000" indent="-228600" algn="l" defTabSz="914400" rtl="0" eaLnBrk="1" latinLnBrk="0" hangingPunct="1">
+              <a:lnSpc>
+                <a:spcPct val="90000"/>
+              </a:lnSpc>
+              <a:spcBef>
+                <a:spcPts val="500"/>
+              </a:spcBef>
+              <a:buFont typeface="Arial" panose="020B0604020202020204" pitchFamily="34" charset="0"/>
+              <a:buChar char="•"/>
+              <a:defRPr sz="2000" kern="1200">
+                <a:solidFill>
+                  <a:schemeClr val="tx1"/>
+                </a:solidFill>
+                <a:latin typeface="+mn-lt"/>
+                <a:ea typeface="+mn-ea"/>
+                <a:cs typeface="+mn-cs"/>
+              </a:defRPr>
+            </a:lvl3pPr>
+            <a:lvl4pPr marL="1600200" indent="-228600" algn="l" defTabSz="914400" rtl="0" eaLnBrk="1" latinLnBrk="0" hangingPunct="1">
+              <a:lnSpc>
+                <a:spcPct val="90000"/>
+              </a:lnSpc>
+              <a:spcBef>
+                <a:spcPts val="500"/>
+              </a:spcBef>
+              <a:buFont typeface="Arial" panose="020B0604020202020204" pitchFamily="34" charset="0"/>
+              <a:buChar char="•"/>
+              <a:defRPr sz="1800" kern="1200">
+                <a:solidFill>
+                  <a:schemeClr val="tx1"/>
+                </a:solidFill>
+                <a:latin typeface="+mn-lt"/>
+                <a:ea typeface="+mn-ea"/>
+                <a:cs typeface="+mn-cs"/>
+              </a:defRPr>
+            </a:lvl4pPr>
+            <a:lvl5pPr marL="2057400" indent="-228600" algn="l" defTabSz="914400" rtl="0" eaLnBrk="1" latinLnBrk="0" hangingPunct="1">
+              <a:lnSpc>
+                <a:spcPct val="90000"/>
+              </a:lnSpc>
+              <a:spcBef>
+                <a:spcPts val="500"/>
+              </a:spcBef>
+              <a:buFont typeface="Arial" panose="020B0604020202020204" pitchFamily="34" charset="0"/>
+              <a:buChar char="•"/>
+              <a:defRPr sz="1800" kern="1200">
+                <a:solidFill>
+                  <a:schemeClr val="tx1"/>
+                </a:solidFill>
+                <a:latin typeface="+mn-lt"/>
+                <a:ea typeface="+mn-ea"/>
+                <a:cs typeface="+mn-cs"/>
+              </a:defRPr>
+            </a:lvl5pPr>
+            <a:lvl6pPr marL="2514600" indent="-228600" algn="l" defTabSz="914400" rtl="0" eaLnBrk="1" latinLnBrk="0" hangingPunct="1">
+              <a:lnSpc>
+                <a:spcPct val="90000"/>
+              </a:lnSpc>
+              <a:spcBef>
+                <a:spcPts val="500"/>
+              </a:spcBef>
+              <a:buFont typeface="Arial" panose="020B0604020202020204" pitchFamily="34" charset="0"/>
+              <a:buChar char="•"/>
+              <a:defRPr sz="1800" kern="1200">
+                <a:solidFill>
+                  <a:schemeClr val="tx1"/>
+                </a:solidFill>
+                <a:latin typeface="+mn-lt"/>
+                <a:ea typeface="+mn-ea"/>
+                <a:cs typeface="+mn-cs"/>
+              </a:defRPr>
+            </a:lvl6pPr>
+            <a:lvl7pPr marL="2971800" indent="-228600" algn="l" defTabSz="914400" rtl="0" eaLnBrk="1" latinLnBrk="0" hangingPunct="1">
+              <a:lnSpc>
+                <a:spcPct val="90000"/>
+              </a:lnSpc>
+              <a:spcBef>
+                <a:spcPts val="500"/>
+              </a:spcBef>
+              <a:buFont typeface="Arial" panose="020B0604020202020204" pitchFamily="34" charset="0"/>
+              <a:buChar char="•"/>
+              <a:defRPr sz="1800" kern="1200">
+                <a:solidFill>
+                  <a:schemeClr val="tx1"/>
+                </a:solidFill>
+                <a:latin typeface="+mn-lt"/>
+                <a:ea typeface="+mn-ea"/>
+                <a:cs typeface="+mn-cs"/>
+              </a:defRPr>
+            </a:lvl7pPr>
+            <a:lvl8pPr marL="3429000" indent="-228600" algn="l" defTabSz="914400" rtl="0" eaLnBrk="1" latinLnBrk="0" hangingPunct="1">
+              <a:lnSpc>
+                <a:spcPct val="90000"/>
+              </a:lnSpc>
+              <a:spcBef>
+                <a:spcPts val="500"/>
+              </a:spcBef>
+              <a:buFont typeface="Arial" panose="020B0604020202020204" pitchFamily="34" charset="0"/>
+              <a:buChar char="•"/>
+              <a:defRPr sz="1800" kern="1200">
+                <a:solidFill>
+                  <a:schemeClr val="tx1"/>
+                </a:solidFill>
+                <a:latin typeface="+mn-lt"/>
+                <a:ea typeface="+mn-ea"/>
+                <a:cs typeface="+mn-cs"/>
+              </a:defRPr>
+            </a:lvl8pPr>
+            <a:lvl9pPr marL="3886200" indent="-228600" algn="l" defTabSz="914400" rtl="0" eaLnBrk="1" latinLnBrk="0" hangingPunct="1">
+              <a:lnSpc>
+                <a:spcPct val="90000"/>
+              </a:lnSpc>
+              <a:spcBef>
+                <a:spcPts val="500"/>
+              </a:spcBef>
+              <a:buFont typeface="Arial" panose="020B0604020202020204" pitchFamily="34" charset="0"/>
+              <a:buChar char="•"/>
+              <a:defRPr sz="1800" kern="1200">
+                <a:solidFill>
+                  <a:schemeClr val="tx1"/>
+                </a:solidFill>
+                <a:latin typeface="+mn-lt"/>
+                <a:ea typeface="+mn-ea"/>
+                <a:cs typeface="+mn-cs"/>
+              </a:defRPr>
+            </a:lvl9pPr>
+          </a:lstStyle>
+          <a:p>
+            <a:r>
+              <a:rPr lang="en-US" sz="1500" dirty="0">
+                <a:solidFill>
+                  <a:srgbClr val="000000"/>
+                </a:solidFill>
+                <a:latin typeface="Cascadia Mono" panose="020B0609020000020004" pitchFamily="49" charset="0"/>
+              </a:rPr>
+              <a:t> </a:t>
+            </a:r>
+            <a:r>
+              <a:rPr lang="en-US" sz="1500" dirty="0" err="1">
+                <a:solidFill>
+                  <a:srgbClr val="000000"/>
+                </a:solidFill>
+                <a:latin typeface="Cascadia Mono" panose="020B0609020000020004" pitchFamily="49" charset="0"/>
+              </a:rPr>
+              <a:t>result.forEach</a:t>
+            </a:r>
+            <a:r>
+              <a:rPr lang="en-US" sz="1500" dirty="0">
+                <a:solidFill>
+                  <a:srgbClr val="000000"/>
+                </a:solidFill>
+                <a:latin typeface="Cascadia Mono" panose="020B0609020000020004" pitchFamily="49" charset="0"/>
+              </a:rPr>
+              <a:t>(video =&gt; {</a:t>
+            </a:r>
+          </a:p>
+          <a:p>
+            <a:r>
+              <a:rPr lang="en-US" sz="1500" dirty="0">
+                <a:solidFill>
+                  <a:srgbClr val="008000"/>
+                </a:solidFill>
+                <a:latin typeface="Cascadia Mono" panose="020B0609020000020004" pitchFamily="49" charset="0"/>
+              </a:rPr>
+              <a:t>//Video </a:t>
+            </a:r>
+            <a:r>
+              <a:rPr lang="en-US" sz="1500" dirty="0" err="1">
+                <a:solidFill>
+                  <a:srgbClr val="008000"/>
+                </a:solidFill>
+                <a:latin typeface="Cascadia Mono" panose="020B0609020000020004" pitchFamily="49" charset="0"/>
+              </a:rPr>
+              <a:t>attr</a:t>
+            </a:r>
+            <a:endParaRPr lang="en-US" sz="1500" dirty="0">
+              <a:solidFill>
+                <a:srgbClr val="000000"/>
+              </a:solidFill>
+              <a:latin typeface="Cascadia Mono" panose="020B0609020000020004" pitchFamily="49" charset="0"/>
+            </a:endParaRPr>
+          </a:p>
+          <a:p>
+            <a:r>
+              <a:rPr lang="en-US" sz="1500" dirty="0">
+                <a:solidFill>
+                  <a:srgbClr val="0000FF"/>
+                </a:solidFill>
+                <a:latin typeface="Cascadia Mono" panose="020B0609020000020004" pitchFamily="49" charset="0"/>
+              </a:rPr>
+              <a:t>var</a:t>
+            </a:r>
+            <a:r>
+              <a:rPr lang="en-US" sz="1500" dirty="0">
+                <a:solidFill>
+                  <a:srgbClr val="000000"/>
+                </a:solidFill>
+                <a:latin typeface="Cascadia Mono" panose="020B0609020000020004" pitchFamily="49" charset="0"/>
+              </a:rPr>
+              <a:t> ID = </a:t>
+            </a:r>
+            <a:r>
+              <a:rPr lang="en-US" sz="1500" dirty="0" err="1">
+                <a:solidFill>
+                  <a:srgbClr val="000000"/>
+                </a:solidFill>
+                <a:latin typeface="Cascadia Mono" panose="020B0609020000020004" pitchFamily="49" charset="0"/>
+              </a:rPr>
+              <a:t>video.id.videoId</a:t>
+            </a:r>
+            <a:r>
+              <a:rPr lang="en-US" sz="1500" dirty="0">
+                <a:solidFill>
+                  <a:srgbClr val="000000"/>
+                </a:solidFill>
+                <a:latin typeface="Cascadia Mono" panose="020B0609020000020004" pitchFamily="49" charset="0"/>
+              </a:rPr>
+              <a:t>;</a:t>
+            </a:r>
+          </a:p>
+          <a:p>
+            <a:r>
+              <a:rPr lang="nn-NO" sz="1500" dirty="0">
+                <a:solidFill>
+                  <a:srgbClr val="0000FF"/>
+                </a:solidFill>
+                <a:latin typeface="Cascadia Mono" panose="020B0609020000020004" pitchFamily="49" charset="0"/>
+              </a:rPr>
+              <a:t>var</a:t>
+            </a:r>
+            <a:r>
+              <a:rPr lang="nn-NO" sz="1500" dirty="0">
+                <a:solidFill>
+                  <a:srgbClr val="000000"/>
+                </a:solidFill>
+                <a:latin typeface="Cascadia Mono" panose="020B0609020000020004" pitchFamily="49" charset="0"/>
+              </a:rPr>
+              <a:t> title = video.snippet.title;</a:t>
+            </a:r>
+          </a:p>
+          <a:p>
+            <a:endParaRPr lang="en-US" sz="1500" dirty="0">
+              <a:solidFill>
+                <a:srgbClr val="000000"/>
+              </a:solidFill>
+              <a:latin typeface="Cascadia Mono" panose="020B0609020000020004" pitchFamily="49" charset="0"/>
+            </a:endParaRPr>
+          </a:p>
+          <a:p>
+            <a:r>
+              <a:rPr lang="en-US" sz="1500" dirty="0">
+                <a:solidFill>
+                  <a:srgbClr val="008000"/>
+                </a:solidFill>
+                <a:latin typeface="Cascadia Mono" panose="020B0609020000020004" pitchFamily="49" charset="0"/>
+              </a:rPr>
+              <a:t>//Set Division</a:t>
+            </a:r>
+            <a:endParaRPr lang="en-US" sz="1500" dirty="0">
+              <a:solidFill>
+                <a:srgbClr val="000000"/>
+              </a:solidFill>
+              <a:latin typeface="Cascadia Mono" panose="020B0609020000020004" pitchFamily="49" charset="0"/>
+            </a:endParaRPr>
+          </a:p>
+          <a:p>
+            <a:r>
+              <a:rPr lang="en-US" sz="1500" dirty="0">
+                <a:solidFill>
+                  <a:srgbClr val="0000FF"/>
+                </a:solidFill>
+                <a:latin typeface="Cascadia Mono" panose="020B0609020000020004" pitchFamily="49" charset="0"/>
+              </a:rPr>
+              <a:t>let</a:t>
+            </a:r>
+            <a:r>
+              <a:rPr lang="en-US" sz="1500" dirty="0">
+                <a:solidFill>
+                  <a:srgbClr val="000000"/>
+                </a:solidFill>
+                <a:latin typeface="Cascadia Mono" panose="020B0609020000020004" pitchFamily="49" charset="0"/>
+              </a:rPr>
+              <a:t> </a:t>
+            </a:r>
+            <a:r>
+              <a:rPr lang="en-US" sz="1500" dirty="0" err="1">
+                <a:solidFill>
+                  <a:srgbClr val="000000"/>
+                </a:solidFill>
+                <a:latin typeface="Cascadia Mono" panose="020B0609020000020004" pitchFamily="49" charset="0"/>
+              </a:rPr>
+              <a:t>imageBox</a:t>
+            </a:r>
+            <a:r>
+              <a:rPr lang="en-US" sz="1500" dirty="0">
+                <a:solidFill>
+                  <a:srgbClr val="000000"/>
+                </a:solidFill>
+                <a:latin typeface="Cascadia Mono" panose="020B0609020000020004" pitchFamily="49" charset="0"/>
+              </a:rPr>
+              <a:t> = $(</a:t>
+            </a:r>
+            <a:r>
+              <a:rPr lang="en-US" sz="1500" dirty="0">
+                <a:solidFill>
+                  <a:srgbClr val="A31515"/>
+                </a:solidFill>
+                <a:latin typeface="Cascadia Mono" panose="020B0609020000020004" pitchFamily="49" charset="0"/>
+              </a:rPr>
+              <a:t>'&lt;div&gt;'</a:t>
+            </a:r>
+            <a:r>
+              <a:rPr lang="en-US" sz="1500" dirty="0">
+                <a:solidFill>
+                  <a:srgbClr val="000000"/>
+                </a:solidFill>
+                <a:latin typeface="Cascadia Mono" panose="020B0609020000020004" pitchFamily="49" charset="0"/>
+              </a:rPr>
+              <a:t>);</a:t>
+            </a:r>
+          </a:p>
+          <a:p>
+            <a:r>
+              <a:rPr lang="en-US" sz="1500" dirty="0" err="1">
+                <a:solidFill>
+                  <a:srgbClr val="000000"/>
+                </a:solidFill>
+                <a:latin typeface="Cascadia Mono" panose="020B0609020000020004" pitchFamily="49" charset="0"/>
+              </a:rPr>
+              <a:t>imageBox.attr</a:t>
+            </a:r>
+            <a:r>
+              <a:rPr lang="en-US" sz="1500" dirty="0">
+                <a:solidFill>
+                  <a:srgbClr val="000000"/>
+                </a:solidFill>
+                <a:latin typeface="Cascadia Mono" panose="020B0609020000020004" pitchFamily="49" charset="0"/>
+              </a:rPr>
+              <a:t>(</a:t>
+            </a:r>
+            <a:r>
+              <a:rPr lang="en-US" sz="1500" dirty="0">
+                <a:solidFill>
+                  <a:srgbClr val="A31515"/>
+                </a:solidFill>
+                <a:latin typeface="Cascadia Mono" panose="020B0609020000020004" pitchFamily="49" charset="0"/>
+              </a:rPr>
+              <a:t>'class'</a:t>
+            </a:r>
+            <a:r>
+              <a:rPr lang="en-US" sz="1500" dirty="0">
+                <a:solidFill>
+                  <a:srgbClr val="000000"/>
+                </a:solidFill>
+                <a:latin typeface="Cascadia Mono" panose="020B0609020000020004" pitchFamily="49" charset="0"/>
+              </a:rPr>
+              <a:t>, </a:t>
+            </a:r>
+            <a:r>
+              <a:rPr lang="en-US" sz="1500" dirty="0">
+                <a:solidFill>
+                  <a:srgbClr val="A31515"/>
+                </a:solidFill>
+                <a:latin typeface="Cascadia Mono" panose="020B0609020000020004" pitchFamily="49" charset="0"/>
+              </a:rPr>
+              <a:t>'box’</a:t>
+            </a:r>
+            <a:r>
+              <a:rPr lang="en-US" sz="1500" dirty="0">
+                <a:solidFill>
+                  <a:srgbClr val="000000"/>
+                </a:solidFill>
+                <a:latin typeface="Cascadia Mono" panose="020B0609020000020004" pitchFamily="49" charset="0"/>
+              </a:rPr>
+              <a:t>)</a:t>
+            </a:r>
+          </a:p>
+          <a:p>
+            <a:r>
+              <a:rPr lang="en-US" sz="1500" dirty="0">
+                <a:solidFill>
+                  <a:srgbClr val="008000"/>
+                </a:solidFill>
+                <a:latin typeface="Cascadia Mono" panose="020B0609020000020004" pitchFamily="49" charset="0"/>
+              </a:rPr>
+              <a:t>//Set link</a:t>
+            </a:r>
+            <a:endParaRPr lang="en-US" sz="1500" dirty="0">
+              <a:solidFill>
+                <a:srgbClr val="000000"/>
+              </a:solidFill>
+              <a:latin typeface="Cascadia Mono" panose="020B0609020000020004" pitchFamily="49" charset="0"/>
+            </a:endParaRPr>
+          </a:p>
+          <a:p>
+            <a:r>
+              <a:rPr lang="en-US" sz="1500" dirty="0">
+                <a:solidFill>
+                  <a:srgbClr val="0000FF"/>
+                </a:solidFill>
+                <a:latin typeface="Cascadia Mono" panose="020B0609020000020004" pitchFamily="49" charset="0"/>
+              </a:rPr>
+              <a:t>let</a:t>
+            </a:r>
+            <a:r>
+              <a:rPr lang="en-US" sz="1500" dirty="0">
+                <a:solidFill>
+                  <a:srgbClr val="000000"/>
+                </a:solidFill>
+                <a:latin typeface="Cascadia Mono" panose="020B0609020000020004" pitchFamily="49" charset="0"/>
+              </a:rPr>
+              <a:t> a=$(</a:t>
+            </a:r>
+            <a:r>
+              <a:rPr lang="en-US" sz="1500" dirty="0">
+                <a:solidFill>
+                  <a:srgbClr val="A31515"/>
+                </a:solidFill>
+                <a:latin typeface="Cascadia Mono" panose="020B0609020000020004" pitchFamily="49" charset="0"/>
+              </a:rPr>
+              <a:t>'&lt;a&gt;'</a:t>
+            </a:r>
+            <a:r>
+              <a:rPr lang="en-US" sz="1500" dirty="0">
+                <a:solidFill>
+                  <a:srgbClr val="000000"/>
+                </a:solidFill>
+                <a:latin typeface="Cascadia Mono" panose="020B0609020000020004" pitchFamily="49" charset="0"/>
+              </a:rPr>
+              <a:t>)</a:t>
+            </a:r>
+          </a:p>
+          <a:p>
+            <a:r>
+              <a:rPr lang="en-US" sz="1500" dirty="0" err="1">
+                <a:solidFill>
+                  <a:srgbClr val="000000"/>
+                </a:solidFill>
+                <a:latin typeface="Cascadia Mono" panose="020B0609020000020004" pitchFamily="49" charset="0"/>
+              </a:rPr>
+              <a:t>a.attr</a:t>
+            </a:r>
+            <a:r>
+              <a:rPr lang="en-US" sz="1500" dirty="0">
+                <a:solidFill>
+                  <a:srgbClr val="000000"/>
+                </a:solidFill>
+                <a:latin typeface="Cascadia Mono" panose="020B0609020000020004" pitchFamily="49" charset="0"/>
+              </a:rPr>
+              <a:t>(</a:t>
+            </a:r>
+            <a:r>
+              <a:rPr lang="en-US" sz="1500" dirty="0">
+                <a:solidFill>
+                  <a:srgbClr val="A31515"/>
+                </a:solidFill>
+                <a:latin typeface="Cascadia Mono" panose="020B0609020000020004" pitchFamily="49" charset="0"/>
+              </a:rPr>
+              <a:t>'</a:t>
+            </a:r>
+            <a:r>
+              <a:rPr lang="en-US" sz="1500" dirty="0" err="1">
+                <a:solidFill>
+                  <a:srgbClr val="A31515"/>
+                </a:solidFill>
+                <a:latin typeface="Cascadia Mono" panose="020B0609020000020004" pitchFamily="49" charset="0"/>
+              </a:rPr>
+              <a:t>href</a:t>
+            </a:r>
+            <a:r>
+              <a:rPr lang="en-US" sz="1500" dirty="0">
+                <a:solidFill>
+                  <a:srgbClr val="A31515"/>
+                </a:solidFill>
+                <a:latin typeface="Cascadia Mono" panose="020B0609020000020004" pitchFamily="49" charset="0"/>
+              </a:rPr>
+              <a:t>'</a:t>
+            </a:r>
+            <a:r>
+              <a:rPr lang="en-US" sz="1500" dirty="0">
+                <a:solidFill>
+                  <a:srgbClr val="000000"/>
+                </a:solidFill>
+                <a:latin typeface="Cascadia Mono" panose="020B0609020000020004" pitchFamily="49" charset="0"/>
+              </a:rPr>
+              <a:t>, </a:t>
+            </a:r>
+            <a:r>
+              <a:rPr lang="en-US" sz="1500" dirty="0">
+                <a:solidFill>
+                  <a:srgbClr val="A31515"/>
+                </a:solidFill>
+                <a:latin typeface="Cascadia Mono" panose="020B0609020000020004" pitchFamily="49" charset="0"/>
+              </a:rPr>
+              <a:t>"https://www.youtube.com/watch?v="</a:t>
+            </a:r>
+            <a:r>
+              <a:rPr lang="en-US" sz="1500" dirty="0">
+                <a:solidFill>
+                  <a:srgbClr val="000000"/>
+                </a:solidFill>
+                <a:latin typeface="Cascadia Mono" panose="020B0609020000020004" pitchFamily="49" charset="0"/>
+              </a:rPr>
+              <a:t> + ID );</a:t>
+            </a:r>
+          </a:p>
+          <a:p>
+            <a:r>
+              <a:rPr lang="en-US" sz="1500" dirty="0" err="1">
+                <a:solidFill>
+                  <a:srgbClr val="000000"/>
+                </a:solidFill>
+                <a:latin typeface="Cascadia Mono" panose="020B0609020000020004" pitchFamily="49" charset="0"/>
+              </a:rPr>
+              <a:t>a.attr</a:t>
+            </a:r>
+            <a:r>
+              <a:rPr lang="en-US" sz="1500" dirty="0">
+                <a:solidFill>
+                  <a:srgbClr val="000000"/>
+                </a:solidFill>
+                <a:latin typeface="Cascadia Mono" panose="020B0609020000020004" pitchFamily="49" charset="0"/>
+              </a:rPr>
+              <a:t>(</a:t>
+            </a:r>
+            <a:r>
+              <a:rPr lang="en-US" sz="1500" dirty="0">
+                <a:solidFill>
+                  <a:srgbClr val="A31515"/>
+                </a:solidFill>
+                <a:latin typeface="Cascadia Mono" panose="020B0609020000020004" pitchFamily="49" charset="0"/>
+              </a:rPr>
+              <a:t>'data-</a:t>
+            </a:r>
+            <a:r>
+              <a:rPr lang="en-US" sz="1500" dirty="0" err="1">
+                <a:solidFill>
+                  <a:srgbClr val="A31515"/>
+                </a:solidFill>
+                <a:latin typeface="Cascadia Mono" panose="020B0609020000020004" pitchFamily="49" charset="0"/>
+              </a:rPr>
+              <a:t>fancybox</a:t>
+            </a:r>
+            <a:r>
+              <a:rPr lang="en-US" sz="1500" dirty="0">
+                <a:solidFill>
+                  <a:srgbClr val="A31515"/>
+                </a:solidFill>
+                <a:latin typeface="Cascadia Mono" panose="020B0609020000020004" pitchFamily="49" charset="0"/>
+              </a:rPr>
+              <a:t>'</a:t>
+            </a:r>
+            <a:r>
+              <a:rPr lang="en-US" sz="1500" dirty="0">
+                <a:solidFill>
+                  <a:srgbClr val="000000"/>
+                </a:solidFill>
+                <a:latin typeface="Cascadia Mono" panose="020B0609020000020004" pitchFamily="49" charset="0"/>
+              </a:rPr>
+              <a:t>,</a:t>
+            </a:r>
+            <a:r>
+              <a:rPr lang="en-US" sz="1500" dirty="0">
+                <a:solidFill>
+                  <a:srgbClr val="A31515"/>
+                </a:solidFill>
+                <a:latin typeface="Cascadia Mono" panose="020B0609020000020004" pitchFamily="49" charset="0"/>
+              </a:rPr>
+              <a:t>''</a:t>
+            </a:r>
+            <a:r>
+              <a:rPr lang="en-US" sz="1500" dirty="0">
+                <a:solidFill>
+                  <a:srgbClr val="000000"/>
+                </a:solidFill>
+                <a:latin typeface="Cascadia Mono" panose="020B0609020000020004" pitchFamily="49" charset="0"/>
+              </a:rPr>
+              <a:t>)</a:t>
+            </a:r>
+            <a:endParaRPr lang="en-US" sz="1500" dirty="0"/>
           </a:p>
         </p:txBody>
       </p:sp>
     </p:spTree>
     <p:extLst>
       <p:ext uri="{BB962C8B-B14F-4D97-AF65-F5344CB8AC3E}">
-        <p14:creationId xmlns:p14="http://schemas.microsoft.com/office/powerpoint/2010/main" val="931103195"/>
+        <p14:creationId xmlns:p14="http://schemas.microsoft.com/office/powerpoint/2010/main" val="2311569333"/>
       </p:ext>
     </p:extLst>
   </p:cSld>
@@ -4531,7 +5765,7 @@
           <p:cNvPr id="2" name="Title 1">
             <a:extLst>
               <a:ext uri="{FF2B5EF4-FFF2-40B4-BE49-F238E27FC236}">
-                <a16:creationId xmlns:a16="http://schemas.microsoft.com/office/drawing/2014/main" id="{5BB5F081-B1D7-4DE4-A007-C09614CC67F2}"/>
+                <a16:creationId xmlns:a16="http://schemas.microsoft.com/office/drawing/2014/main" id="{0E88A1A3-EBC2-477F-A503-7AE5A2C5427A}"/>
               </a:ext>
             </a:extLst>
           </p:cNvPr>
@@ -4549,7 +5783,7 @@
           <a:p>
             <a:r>
               <a:rPr lang="en-US" dirty="0"/>
-              <a:t>Organize Response</a:t>
+              <a:t>Working Demo (/guide)</a:t>
             </a:r>
           </a:p>
         </p:txBody>
@@ -4559,7 +5793,7 @@
           <p:cNvPr id="3" name="Content Placeholder 2">
             <a:extLst>
               <a:ext uri="{FF2B5EF4-FFF2-40B4-BE49-F238E27FC236}">
-                <a16:creationId xmlns:a16="http://schemas.microsoft.com/office/drawing/2014/main" id="{45E1547A-450B-4015-A979-D326840B6C0A}"/>
+                <a16:creationId xmlns:a16="http://schemas.microsoft.com/office/drawing/2014/main" id="{C1970242-E97D-4D37-B8F7-91A9E29D08B2}"/>
               </a:ext>
             </a:extLst>
           </p:cNvPr>
@@ -4570,1146 +5804,79 @@
             <p:ph idx="1"/>
           </p:nvPr>
         </p:nvSpPr>
+        <p:spPr/>
+        <p:txBody>
+          <a:bodyPr/>
+          <a:lstStyle/>
+          <a:p>
+            <a:endParaRPr lang="en-US"/>
+          </a:p>
+        </p:txBody>
+      </p:sp>
+      <p:pic>
+        <p:nvPicPr>
+          <p:cNvPr id="5" name="Picture 4">
+            <a:extLst>
+              <a:ext uri="{FF2B5EF4-FFF2-40B4-BE49-F238E27FC236}">
+                <a16:creationId xmlns:a16="http://schemas.microsoft.com/office/drawing/2014/main" id="{92DB4B4D-20F7-43A9-A814-10137D798823}"/>
+              </a:ext>
+            </a:extLst>
+          </p:cNvPr>
+          <p:cNvPicPr>
+            <a:picLocks noChangeAspect="1"/>
+          </p:cNvPicPr>
+          <p:nvPr/>
+        </p:nvPicPr>
+        <p:blipFill>
+          <a:blip r:embed="rId2"/>
+          <a:stretch>
+            <a:fillRect/>
+          </a:stretch>
+        </p:blipFill>
         <p:spPr>
           <a:xfrm>
-            <a:off x="6496758" y="1932869"/>
-            <a:ext cx="5020733" cy="4351338"/>
-          </a:xfrm>
-        </p:spPr>
-        <p:txBody>
-          <a:bodyPr>
-            <a:normAutofit fontScale="77500" lnSpcReduction="20000"/>
-          </a:bodyPr>
-          <a:lstStyle/>
-          <a:p>
-            <a:r>
-              <a:rPr lang="en-US" sz="1800" dirty="0">
-                <a:solidFill>
-                  <a:srgbClr val="008000"/>
-                </a:solidFill>
-                <a:latin typeface="Cascadia Mono" panose="020B0609020000020004" pitchFamily="49" charset="0"/>
-              </a:rPr>
-              <a:t>//Video thumbnail </a:t>
-            </a:r>
-            <a:endParaRPr lang="en-US" sz="1800" dirty="0">
-              <a:solidFill>
-                <a:srgbClr val="000000"/>
-              </a:solidFill>
-              <a:latin typeface="Cascadia Mono" panose="020B0609020000020004" pitchFamily="49" charset="0"/>
-            </a:endParaRPr>
-          </a:p>
-          <a:p>
-            <a:r>
-              <a:rPr lang="en-US" sz="1800" dirty="0">
-                <a:solidFill>
-                  <a:srgbClr val="0000FF"/>
-                </a:solidFill>
-                <a:latin typeface="Cascadia Mono" panose="020B0609020000020004" pitchFamily="49" charset="0"/>
-              </a:rPr>
-              <a:t>let</a:t>
-            </a:r>
-            <a:r>
-              <a:rPr lang="en-US" sz="1800" dirty="0">
-                <a:solidFill>
-                  <a:srgbClr val="000000"/>
-                </a:solidFill>
-                <a:latin typeface="Cascadia Mono" panose="020B0609020000020004" pitchFamily="49" charset="0"/>
-              </a:rPr>
-              <a:t> thumbnail = $(</a:t>
-            </a:r>
-            <a:r>
-              <a:rPr lang="en-US" sz="1800" dirty="0">
-                <a:solidFill>
-                  <a:srgbClr val="A31515"/>
-                </a:solidFill>
-                <a:latin typeface="Cascadia Mono" panose="020B0609020000020004" pitchFamily="49" charset="0"/>
-              </a:rPr>
-              <a:t>'&lt;</a:t>
-            </a:r>
-            <a:r>
-              <a:rPr lang="en-US" sz="1800" dirty="0" err="1">
-                <a:solidFill>
-                  <a:srgbClr val="A31515"/>
-                </a:solidFill>
-                <a:latin typeface="Cascadia Mono" panose="020B0609020000020004" pitchFamily="49" charset="0"/>
-              </a:rPr>
-              <a:t>img</a:t>
-            </a:r>
-            <a:r>
-              <a:rPr lang="en-US" sz="1800" dirty="0">
-                <a:solidFill>
-                  <a:srgbClr val="A31515"/>
-                </a:solidFill>
-                <a:latin typeface="Cascadia Mono" panose="020B0609020000020004" pitchFamily="49" charset="0"/>
-              </a:rPr>
-              <a:t>&gt;'</a:t>
-            </a:r>
-            <a:r>
-              <a:rPr lang="en-US" sz="1800" dirty="0">
-                <a:solidFill>
-                  <a:srgbClr val="000000"/>
-                </a:solidFill>
-                <a:latin typeface="Cascadia Mono" panose="020B0609020000020004" pitchFamily="49" charset="0"/>
-              </a:rPr>
-              <a:t>);</a:t>
-            </a:r>
-          </a:p>
-          <a:p>
-            <a:r>
-              <a:rPr lang="en-US" sz="1800" dirty="0" err="1">
-                <a:solidFill>
-                  <a:srgbClr val="000000"/>
-                </a:solidFill>
-                <a:latin typeface="Cascadia Mono" panose="020B0609020000020004" pitchFamily="49" charset="0"/>
-              </a:rPr>
-              <a:t>thumbnail.attr</a:t>
-            </a:r>
-            <a:r>
-              <a:rPr lang="en-US" sz="1800" dirty="0">
-                <a:solidFill>
-                  <a:srgbClr val="000000"/>
-                </a:solidFill>
-                <a:latin typeface="Cascadia Mono" panose="020B0609020000020004" pitchFamily="49" charset="0"/>
-              </a:rPr>
-              <a:t>(</a:t>
-            </a:r>
-            <a:r>
-              <a:rPr lang="en-US" sz="1800" dirty="0">
-                <a:solidFill>
-                  <a:srgbClr val="A31515"/>
-                </a:solidFill>
-                <a:latin typeface="Cascadia Mono" panose="020B0609020000020004" pitchFamily="49" charset="0"/>
-              </a:rPr>
-              <a:t>'</a:t>
-            </a:r>
-            <a:r>
-              <a:rPr lang="en-US" sz="1800" dirty="0" err="1">
-                <a:solidFill>
-                  <a:srgbClr val="A31515"/>
-                </a:solidFill>
-                <a:latin typeface="Cascadia Mono" panose="020B0609020000020004" pitchFamily="49" charset="0"/>
-              </a:rPr>
-              <a:t>src</a:t>
-            </a:r>
-            <a:r>
-              <a:rPr lang="en-US" sz="1800" dirty="0">
-                <a:solidFill>
-                  <a:srgbClr val="A31515"/>
-                </a:solidFill>
-                <a:latin typeface="Cascadia Mono" panose="020B0609020000020004" pitchFamily="49" charset="0"/>
-              </a:rPr>
-              <a:t>'</a:t>
-            </a:r>
-            <a:r>
-              <a:rPr lang="en-US" sz="1800" dirty="0">
-                <a:solidFill>
-                  <a:srgbClr val="000000"/>
-                </a:solidFill>
-                <a:latin typeface="Cascadia Mono" panose="020B0609020000020004" pitchFamily="49" charset="0"/>
-              </a:rPr>
-              <a:t>, </a:t>
-            </a:r>
-            <a:r>
-              <a:rPr lang="en-US" sz="1800" dirty="0">
-                <a:solidFill>
-                  <a:srgbClr val="A31515"/>
-                </a:solidFill>
-                <a:latin typeface="Cascadia Mono" panose="020B0609020000020004" pitchFamily="49" charset="0"/>
-              </a:rPr>
-              <a:t>"http://i3.ytimg.com/vi/"</a:t>
-            </a:r>
-            <a:r>
-              <a:rPr lang="en-US" sz="1800" dirty="0">
-                <a:solidFill>
-                  <a:srgbClr val="000000"/>
-                </a:solidFill>
-                <a:latin typeface="Cascadia Mono" panose="020B0609020000020004" pitchFamily="49" charset="0"/>
-              </a:rPr>
-              <a:t> + ID + </a:t>
-            </a:r>
-            <a:r>
-              <a:rPr lang="en-US" sz="1800" dirty="0">
-                <a:solidFill>
-                  <a:srgbClr val="A31515"/>
-                </a:solidFill>
-                <a:latin typeface="Cascadia Mono" panose="020B0609020000020004" pitchFamily="49" charset="0"/>
-              </a:rPr>
-              <a:t>"/hqdefault.jpg"</a:t>
-            </a:r>
-            <a:r>
-              <a:rPr lang="en-US" sz="1800" dirty="0">
-                <a:solidFill>
-                  <a:srgbClr val="000000"/>
-                </a:solidFill>
-                <a:latin typeface="Cascadia Mono" panose="020B0609020000020004" pitchFamily="49" charset="0"/>
-              </a:rPr>
-              <a:t>)</a:t>
-            </a:r>
-          </a:p>
-          <a:p>
-            <a:r>
-              <a:rPr lang="en-US" sz="1800" dirty="0" err="1">
-                <a:solidFill>
-                  <a:srgbClr val="000000"/>
-                </a:solidFill>
-                <a:latin typeface="Cascadia Mono" panose="020B0609020000020004" pitchFamily="49" charset="0"/>
-              </a:rPr>
-              <a:t>thumbnail.attr</a:t>
-            </a:r>
-            <a:r>
-              <a:rPr lang="en-US" sz="1800" dirty="0">
-                <a:solidFill>
-                  <a:srgbClr val="000000"/>
-                </a:solidFill>
-                <a:latin typeface="Cascadia Mono" panose="020B0609020000020004" pitchFamily="49" charset="0"/>
-              </a:rPr>
-              <a:t>(</a:t>
-            </a:r>
-            <a:r>
-              <a:rPr lang="en-US" sz="1800" dirty="0">
-                <a:solidFill>
-                  <a:srgbClr val="A31515"/>
-                </a:solidFill>
-                <a:latin typeface="Cascadia Mono" panose="020B0609020000020004" pitchFamily="49" charset="0"/>
-              </a:rPr>
-              <a:t>'</a:t>
-            </a:r>
-            <a:r>
-              <a:rPr lang="en-US" sz="1800" dirty="0" err="1">
-                <a:solidFill>
-                  <a:srgbClr val="A31515"/>
-                </a:solidFill>
-                <a:latin typeface="Cascadia Mono" panose="020B0609020000020004" pitchFamily="49" charset="0"/>
-              </a:rPr>
-              <a:t>id'</a:t>
-            </a:r>
-            <a:r>
-              <a:rPr lang="en-US" sz="1800" dirty="0" err="1">
-                <a:solidFill>
-                  <a:srgbClr val="000000"/>
-                </a:solidFill>
-                <a:latin typeface="Cascadia Mono" panose="020B0609020000020004" pitchFamily="49" charset="0"/>
-              </a:rPr>
-              <a:t>,</a:t>
-            </a:r>
-            <a:r>
-              <a:rPr lang="en-US" sz="1800" dirty="0" err="1">
-                <a:solidFill>
-                  <a:srgbClr val="A31515"/>
-                </a:solidFill>
-                <a:latin typeface="Cascadia Mono" panose="020B0609020000020004" pitchFamily="49" charset="0"/>
-              </a:rPr>
-              <a:t>'thumbnail</a:t>
-            </a:r>
-            <a:r>
-              <a:rPr lang="en-US" sz="1800" dirty="0">
-                <a:solidFill>
-                  <a:srgbClr val="A31515"/>
-                </a:solidFill>
-                <a:latin typeface="Cascadia Mono" panose="020B0609020000020004" pitchFamily="49" charset="0"/>
-              </a:rPr>
-              <a:t>'</a:t>
-            </a:r>
-            <a:r>
-              <a:rPr lang="en-US" sz="1800" dirty="0">
-                <a:solidFill>
-                  <a:srgbClr val="000000"/>
-                </a:solidFill>
-                <a:latin typeface="Cascadia Mono" panose="020B0609020000020004" pitchFamily="49" charset="0"/>
-              </a:rPr>
-              <a:t>)</a:t>
-            </a:r>
-          </a:p>
-          <a:p>
-            <a:r>
-              <a:rPr lang="en-US" sz="1800" dirty="0" err="1">
-                <a:solidFill>
-                  <a:srgbClr val="000000"/>
-                </a:solidFill>
-                <a:latin typeface="Cascadia Mono" panose="020B0609020000020004" pitchFamily="49" charset="0"/>
-              </a:rPr>
-              <a:t>a.append</a:t>
-            </a:r>
-            <a:r>
-              <a:rPr lang="en-US" sz="1800" dirty="0">
-                <a:solidFill>
-                  <a:srgbClr val="000000"/>
-                </a:solidFill>
-                <a:latin typeface="Cascadia Mono" panose="020B0609020000020004" pitchFamily="49" charset="0"/>
-              </a:rPr>
-              <a:t>(thumbnail)</a:t>
-            </a:r>
-          </a:p>
-          <a:p>
-            <a:r>
-              <a:rPr lang="en-US" sz="1800" dirty="0">
-                <a:solidFill>
-                  <a:srgbClr val="008000"/>
-                </a:solidFill>
-                <a:latin typeface="Cascadia Mono" panose="020B0609020000020004" pitchFamily="49" charset="0"/>
-              </a:rPr>
-              <a:t>//Video title</a:t>
-            </a:r>
-            <a:endParaRPr lang="en-US" sz="1800" dirty="0">
-              <a:solidFill>
-                <a:srgbClr val="000000"/>
-              </a:solidFill>
-              <a:latin typeface="Cascadia Mono" panose="020B0609020000020004" pitchFamily="49" charset="0"/>
-            </a:endParaRPr>
-          </a:p>
-          <a:p>
-            <a:r>
-              <a:rPr lang="en-US" sz="1800" dirty="0">
-                <a:solidFill>
-                  <a:srgbClr val="0000FF"/>
-                </a:solidFill>
-                <a:latin typeface="Cascadia Mono" panose="020B0609020000020004" pitchFamily="49" charset="0"/>
-              </a:rPr>
-              <a:t>let</a:t>
-            </a:r>
-            <a:r>
-              <a:rPr lang="en-US" sz="1800" dirty="0">
-                <a:solidFill>
-                  <a:srgbClr val="000000"/>
-                </a:solidFill>
-                <a:latin typeface="Cascadia Mono" panose="020B0609020000020004" pitchFamily="49" charset="0"/>
-              </a:rPr>
-              <a:t> label = $(</a:t>
-            </a:r>
-            <a:r>
-              <a:rPr lang="en-US" sz="1800" dirty="0">
-                <a:solidFill>
-                  <a:srgbClr val="A31515"/>
-                </a:solidFill>
-                <a:latin typeface="Cascadia Mono" panose="020B0609020000020004" pitchFamily="49" charset="0"/>
-              </a:rPr>
-              <a:t>'&lt;span&gt;'</a:t>
-            </a:r>
-            <a:r>
-              <a:rPr lang="en-US" sz="1800" dirty="0">
-                <a:solidFill>
-                  <a:srgbClr val="000000"/>
-                </a:solidFill>
-                <a:latin typeface="Cascadia Mono" panose="020B0609020000020004" pitchFamily="49" charset="0"/>
-              </a:rPr>
-              <a:t>);</a:t>
-            </a:r>
-          </a:p>
-          <a:p>
-            <a:r>
-              <a:rPr lang="en-US" sz="1800" dirty="0" err="1">
-                <a:solidFill>
-                  <a:srgbClr val="000000"/>
-                </a:solidFill>
-                <a:latin typeface="Cascadia Mono" panose="020B0609020000020004" pitchFamily="49" charset="0"/>
-              </a:rPr>
-              <a:t>label.append</a:t>
-            </a:r>
-            <a:r>
-              <a:rPr lang="en-US" sz="1800" dirty="0">
-                <a:solidFill>
-                  <a:srgbClr val="000000"/>
-                </a:solidFill>
-                <a:latin typeface="Cascadia Mono" panose="020B0609020000020004" pitchFamily="49" charset="0"/>
-              </a:rPr>
-              <a:t>(</a:t>
-            </a:r>
-            <a:r>
-              <a:rPr lang="en-US" sz="1800" dirty="0" err="1">
-                <a:solidFill>
-                  <a:srgbClr val="000000"/>
-                </a:solidFill>
-                <a:latin typeface="Cascadia Mono" panose="020B0609020000020004" pitchFamily="49" charset="0"/>
-              </a:rPr>
-              <a:t>document.createTextNode</a:t>
-            </a:r>
-            <a:r>
-              <a:rPr lang="en-US" sz="1800" dirty="0">
-                <a:solidFill>
-                  <a:srgbClr val="000000"/>
-                </a:solidFill>
-                <a:latin typeface="Cascadia Mono" panose="020B0609020000020004" pitchFamily="49" charset="0"/>
-              </a:rPr>
-              <a:t>(title));</a:t>
-            </a:r>
-          </a:p>
-          <a:p>
-            <a:endParaRPr lang="en-US" sz="1800" dirty="0">
-              <a:solidFill>
-                <a:srgbClr val="000000"/>
-              </a:solidFill>
-              <a:latin typeface="Cascadia Mono" panose="020B0609020000020004" pitchFamily="49" charset="0"/>
-            </a:endParaRPr>
-          </a:p>
-          <a:p>
-            <a:r>
-              <a:rPr lang="en-US" sz="1800" dirty="0">
-                <a:solidFill>
-                  <a:srgbClr val="008000"/>
-                </a:solidFill>
-                <a:latin typeface="Cascadia Mono" panose="020B0609020000020004" pitchFamily="49" charset="0"/>
-              </a:rPr>
-              <a:t>//Append list to </a:t>
-            </a:r>
-            <a:r>
-              <a:rPr lang="en-US" sz="1800" dirty="0" err="1">
-                <a:solidFill>
-                  <a:srgbClr val="008000"/>
-                </a:solidFill>
-                <a:latin typeface="Cascadia Mono" panose="020B0609020000020004" pitchFamily="49" charset="0"/>
-              </a:rPr>
-              <a:t>Div</a:t>
-            </a:r>
-            <a:endParaRPr lang="en-US" sz="1800" dirty="0">
-              <a:solidFill>
-                <a:srgbClr val="000000"/>
-              </a:solidFill>
-              <a:latin typeface="Cascadia Mono" panose="020B0609020000020004" pitchFamily="49" charset="0"/>
-            </a:endParaRPr>
-          </a:p>
-          <a:p>
-            <a:r>
-              <a:rPr lang="en-US" sz="1800" dirty="0" err="1">
-                <a:solidFill>
-                  <a:srgbClr val="000000"/>
-                </a:solidFill>
-                <a:latin typeface="Cascadia Mono" panose="020B0609020000020004" pitchFamily="49" charset="0"/>
-              </a:rPr>
-              <a:t>imageBox.append</a:t>
-            </a:r>
-            <a:r>
-              <a:rPr lang="en-US" sz="1800" dirty="0">
-                <a:solidFill>
-                  <a:srgbClr val="000000"/>
-                </a:solidFill>
-                <a:latin typeface="Cascadia Mono" panose="020B0609020000020004" pitchFamily="49" charset="0"/>
-              </a:rPr>
-              <a:t>(a)</a:t>
-            </a:r>
-          </a:p>
-          <a:p>
-            <a:r>
-              <a:rPr lang="en-US" sz="1800" dirty="0" err="1">
-                <a:solidFill>
-                  <a:srgbClr val="000000"/>
-                </a:solidFill>
-                <a:latin typeface="Cascadia Mono" panose="020B0609020000020004" pitchFamily="49" charset="0"/>
-              </a:rPr>
-              <a:t>imageBox.append</a:t>
-            </a:r>
-            <a:r>
-              <a:rPr lang="en-US" sz="1800" dirty="0">
-                <a:solidFill>
-                  <a:srgbClr val="000000"/>
-                </a:solidFill>
-                <a:latin typeface="Cascadia Mono" panose="020B0609020000020004" pitchFamily="49" charset="0"/>
-              </a:rPr>
-              <a:t>(label)</a:t>
-            </a:r>
-          </a:p>
-          <a:p>
-            <a:r>
-              <a:rPr lang="en-US" sz="1800" dirty="0" err="1">
-                <a:solidFill>
-                  <a:srgbClr val="000000"/>
-                </a:solidFill>
-                <a:latin typeface="Cascadia Mono" panose="020B0609020000020004" pitchFamily="49" charset="0"/>
-              </a:rPr>
-              <a:t>videoDiv.append</a:t>
-            </a:r>
-            <a:r>
-              <a:rPr lang="en-US" sz="1800" dirty="0">
-                <a:solidFill>
-                  <a:srgbClr val="000000"/>
-                </a:solidFill>
-                <a:latin typeface="Cascadia Mono" panose="020B0609020000020004" pitchFamily="49" charset="0"/>
-              </a:rPr>
-              <a:t>(</a:t>
-            </a:r>
-            <a:r>
-              <a:rPr lang="en-US" sz="1800" dirty="0" err="1">
-                <a:solidFill>
-                  <a:srgbClr val="000000"/>
-                </a:solidFill>
-                <a:latin typeface="Cascadia Mono" panose="020B0609020000020004" pitchFamily="49" charset="0"/>
-              </a:rPr>
-              <a:t>imageBox</a:t>
-            </a:r>
-            <a:r>
-              <a:rPr lang="en-US" sz="1800" dirty="0">
-                <a:solidFill>
-                  <a:srgbClr val="000000"/>
-                </a:solidFill>
-                <a:latin typeface="Cascadia Mono" panose="020B0609020000020004" pitchFamily="49" charset="0"/>
-              </a:rPr>
-              <a:t>)</a:t>
-            </a:r>
-          </a:p>
-          <a:p>
-            <a:r>
-              <a:rPr lang="en-US" sz="1800" dirty="0">
-                <a:solidFill>
-                  <a:srgbClr val="000000"/>
-                </a:solidFill>
-                <a:latin typeface="Cascadia Mono" panose="020B0609020000020004" pitchFamily="49" charset="0"/>
-              </a:rPr>
-              <a:t>})</a:t>
-            </a:r>
-            <a:endParaRPr lang="en-US" dirty="0"/>
-          </a:p>
-        </p:txBody>
-      </p:sp>
-      <p:sp>
-        <p:nvSpPr>
-          <p:cNvPr id="4" name="Content Placeholder 2">
-            <a:extLst>
-              <a:ext uri="{FF2B5EF4-FFF2-40B4-BE49-F238E27FC236}">
-                <a16:creationId xmlns:a16="http://schemas.microsoft.com/office/drawing/2014/main" id="{2F8491DA-9C19-4CF4-A69E-3B9FC524AB7A}"/>
-              </a:ext>
-            </a:extLst>
-          </p:cNvPr>
-          <p:cNvSpPr txBox="1">
-            <a:spLocks/>
-          </p:cNvSpPr>
-          <p:nvPr/>
-        </p:nvSpPr>
-        <p:spPr>
-          <a:xfrm>
-            <a:off x="674511" y="1932869"/>
-            <a:ext cx="5020733" cy="4351338"/>
+            <a:off x="838200" y="1825625"/>
+            <a:ext cx="5919537" cy="4351338"/>
           </a:xfrm>
           <a:prstGeom prst="rect">
             <a:avLst/>
           </a:prstGeom>
         </p:spPr>
-        <p:txBody>
-          <a:bodyPr vert="horz" lIns="91440" tIns="45720" rIns="91440" bIns="45720" rtlCol="0">
-            <a:noAutofit/>
-          </a:bodyPr>
-          <a:lstStyle>
-            <a:lvl1pPr marL="228600" indent="-228600" algn="l" defTabSz="914400" rtl="0" eaLnBrk="1" latinLnBrk="0" hangingPunct="1">
-              <a:lnSpc>
-                <a:spcPct val="90000"/>
-              </a:lnSpc>
-              <a:spcBef>
-                <a:spcPts val="1000"/>
-              </a:spcBef>
-              <a:buFont typeface="Arial" panose="020B0604020202020204" pitchFamily="34" charset="0"/>
-              <a:buChar char="•"/>
-              <a:defRPr sz="2800" kern="1200">
-                <a:solidFill>
-                  <a:schemeClr val="tx1"/>
-                </a:solidFill>
-                <a:latin typeface="+mn-lt"/>
-                <a:ea typeface="+mn-ea"/>
-                <a:cs typeface="+mn-cs"/>
-              </a:defRPr>
-            </a:lvl1pPr>
-            <a:lvl2pPr marL="685800" indent="-228600" algn="l" defTabSz="914400" rtl="0" eaLnBrk="1" latinLnBrk="0" hangingPunct="1">
-              <a:lnSpc>
-                <a:spcPct val="90000"/>
-              </a:lnSpc>
-              <a:spcBef>
-                <a:spcPts val="500"/>
-              </a:spcBef>
-              <a:buFont typeface="Arial" panose="020B0604020202020204" pitchFamily="34" charset="0"/>
-              <a:buChar char="•"/>
-              <a:defRPr sz="2400" kern="1200">
-                <a:solidFill>
-                  <a:schemeClr val="tx1"/>
-                </a:solidFill>
-                <a:latin typeface="+mn-lt"/>
-                <a:ea typeface="+mn-ea"/>
-                <a:cs typeface="+mn-cs"/>
-              </a:defRPr>
-            </a:lvl2pPr>
-            <a:lvl3pPr marL="1143000" indent="-228600" algn="l" defTabSz="914400" rtl="0" eaLnBrk="1" latinLnBrk="0" hangingPunct="1">
-              <a:lnSpc>
-                <a:spcPct val="90000"/>
-              </a:lnSpc>
-              <a:spcBef>
-                <a:spcPts val="500"/>
-              </a:spcBef>
-              <a:buFont typeface="Arial" panose="020B0604020202020204" pitchFamily="34" charset="0"/>
-              <a:buChar char="•"/>
-              <a:defRPr sz="2000" kern="1200">
-                <a:solidFill>
-                  <a:schemeClr val="tx1"/>
-                </a:solidFill>
-                <a:latin typeface="+mn-lt"/>
-                <a:ea typeface="+mn-ea"/>
-                <a:cs typeface="+mn-cs"/>
-              </a:defRPr>
-            </a:lvl3pPr>
-            <a:lvl4pPr marL="1600200" indent="-228600" algn="l" defTabSz="914400" rtl="0" eaLnBrk="1" latinLnBrk="0" hangingPunct="1">
-              <a:lnSpc>
-                <a:spcPct val="90000"/>
-              </a:lnSpc>
-              <a:spcBef>
-                <a:spcPts val="500"/>
-              </a:spcBef>
-              <a:buFont typeface="Arial" panose="020B0604020202020204" pitchFamily="34" charset="0"/>
-              <a:buChar char="•"/>
-              <a:defRPr sz="1800" kern="1200">
-                <a:solidFill>
-                  <a:schemeClr val="tx1"/>
-                </a:solidFill>
-                <a:latin typeface="+mn-lt"/>
-                <a:ea typeface="+mn-ea"/>
-                <a:cs typeface="+mn-cs"/>
-              </a:defRPr>
-            </a:lvl4pPr>
-            <a:lvl5pPr marL="2057400" indent="-228600" algn="l" defTabSz="914400" rtl="0" eaLnBrk="1" latinLnBrk="0" hangingPunct="1">
-              <a:lnSpc>
-                <a:spcPct val="90000"/>
-              </a:lnSpc>
-              <a:spcBef>
-                <a:spcPts val="500"/>
-              </a:spcBef>
-              <a:buFont typeface="Arial" panose="020B0604020202020204" pitchFamily="34" charset="0"/>
-              <a:buChar char="•"/>
-              <a:defRPr sz="1800" kern="1200">
-                <a:solidFill>
-                  <a:schemeClr val="tx1"/>
-                </a:solidFill>
-                <a:latin typeface="+mn-lt"/>
-                <a:ea typeface="+mn-ea"/>
-                <a:cs typeface="+mn-cs"/>
-              </a:defRPr>
-            </a:lvl5pPr>
-            <a:lvl6pPr marL="2514600" indent="-228600" algn="l" defTabSz="914400" rtl="0" eaLnBrk="1" latinLnBrk="0" hangingPunct="1">
-              <a:lnSpc>
-                <a:spcPct val="90000"/>
-              </a:lnSpc>
-              <a:spcBef>
-                <a:spcPts val="500"/>
-              </a:spcBef>
-              <a:buFont typeface="Arial" panose="020B0604020202020204" pitchFamily="34" charset="0"/>
-              <a:buChar char="•"/>
-              <a:defRPr sz="1800" kern="1200">
-                <a:solidFill>
-                  <a:schemeClr val="tx1"/>
-                </a:solidFill>
-                <a:latin typeface="+mn-lt"/>
-                <a:ea typeface="+mn-ea"/>
-                <a:cs typeface="+mn-cs"/>
-              </a:defRPr>
-            </a:lvl6pPr>
-            <a:lvl7pPr marL="2971800" indent="-228600" algn="l" defTabSz="914400" rtl="0" eaLnBrk="1" latinLnBrk="0" hangingPunct="1">
-              <a:lnSpc>
-                <a:spcPct val="90000"/>
-              </a:lnSpc>
-              <a:spcBef>
-                <a:spcPts val="500"/>
-              </a:spcBef>
-              <a:buFont typeface="Arial" panose="020B0604020202020204" pitchFamily="34" charset="0"/>
-              <a:buChar char="•"/>
-              <a:defRPr sz="1800" kern="1200">
-                <a:solidFill>
-                  <a:schemeClr val="tx1"/>
-                </a:solidFill>
-                <a:latin typeface="+mn-lt"/>
-                <a:ea typeface="+mn-ea"/>
-                <a:cs typeface="+mn-cs"/>
-              </a:defRPr>
-            </a:lvl7pPr>
-            <a:lvl8pPr marL="3429000" indent="-228600" algn="l" defTabSz="914400" rtl="0" eaLnBrk="1" latinLnBrk="0" hangingPunct="1">
-              <a:lnSpc>
-                <a:spcPct val="90000"/>
-              </a:lnSpc>
-              <a:spcBef>
-                <a:spcPts val="500"/>
-              </a:spcBef>
-              <a:buFont typeface="Arial" panose="020B0604020202020204" pitchFamily="34" charset="0"/>
-              <a:buChar char="•"/>
-              <a:defRPr sz="1800" kern="1200">
-                <a:solidFill>
-                  <a:schemeClr val="tx1"/>
-                </a:solidFill>
-                <a:latin typeface="+mn-lt"/>
-                <a:ea typeface="+mn-ea"/>
-                <a:cs typeface="+mn-cs"/>
-              </a:defRPr>
-            </a:lvl8pPr>
-            <a:lvl9pPr marL="3886200" indent="-228600" algn="l" defTabSz="914400" rtl="0" eaLnBrk="1" latinLnBrk="0" hangingPunct="1">
-              <a:lnSpc>
-                <a:spcPct val="90000"/>
-              </a:lnSpc>
-              <a:spcBef>
-                <a:spcPts val="500"/>
-              </a:spcBef>
-              <a:buFont typeface="Arial" panose="020B0604020202020204" pitchFamily="34" charset="0"/>
-              <a:buChar char="•"/>
-              <a:defRPr sz="1800" kern="1200">
-                <a:solidFill>
-                  <a:schemeClr val="tx1"/>
-                </a:solidFill>
-                <a:latin typeface="+mn-lt"/>
-                <a:ea typeface="+mn-ea"/>
-                <a:cs typeface="+mn-cs"/>
-              </a:defRPr>
-            </a:lvl9pPr>
-          </a:lstStyle>
-          <a:p>
-            <a:r>
-              <a:rPr lang="en-US" sz="1500" dirty="0">
-                <a:solidFill>
-                  <a:srgbClr val="000000"/>
-                </a:solidFill>
-                <a:latin typeface="Cascadia Mono" panose="020B0609020000020004" pitchFamily="49" charset="0"/>
-              </a:rPr>
-              <a:t> </a:t>
-            </a:r>
-            <a:r>
-              <a:rPr lang="en-US" sz="1500" dirty="0" err="1">
-                <a:solidFill>
-                  <a:srgbClr val="000000"/>
-                </a:solidFill>
-                <a:latin typeface="Cascadia Mono" panose="020B0609020000020004" pitchFamily="49" charset="0"/>
-              </a:rPr>
-              <a:t>result.forEach</a:t>
-            </a:r>
-            <a:r>
-              <a:rPr lang="en-US" sz="1500" dirty="0">
-                <a:solidFill>
-                  <a:srgbClr val="000000"/>
-                </a:solidFill>
-                <a:latin typeface="Cascadia Mono" panose="020B0609020000020004" pitchFamily="49" charset="0"/>
-              </a:rPr>
-              <a:t>(video =&gt; {</a:t>
-            </a:r>
-          </a:p>
-          <a:p>
-            <a:r>
-              <a:rPr lang="en-US" sz="1500" dirty="0">
-                <a:solidFill>
-                  <a:srgbClr val="008000"/>
-                </a:solidFill>
-                <a:latin typeface="Cascadia Mono" panose="020B0609020000020004" pitchFamily="49" charset="0"/>
-              </a:rPr>
-              <a:t>//Video </a:t>
-            </a:r>
-            <a:r>
-              <a:rPr lang="en-US" sz="1500" dirty="0" err="1">
-                <a:solidFill>
-                  <a:srgbClr val="008000"/>
-                </a:solidFill>
-                <a:latin typeface="Cascadia Mono" panose="020B0609020000020004" pitchFamily="49" charset="0"/>
-              </a:rPr>
-              <a:t>attr</a:t>
-            </a:r>
-            <a:endParaRPr lang="en-US" sz="1500" dirty="0">
-              <a:solidFill>
-                <a:srgbClr val="000000"/>
-              </a:solidFill>
-              <a:latin typeface="Cascadia Mono" panose="020B0609020000020004" pitchFamily="49" charset="0"/>
-            </a:endParaRPr>
-          </a:p>
-          <a:p>
-            <a:r>
-              <a:rPr lang="en-US" sz="1500" dirty="0">
-                <a:solidFill>
-                  <a:srgbClr val="0000FF"/>
-                </a:solidFill>
-                <a:latin typeface="Cascadia Mono" panose="020B0609020000020004" pitchFamily="49" charset="0"/>
-              </a:rPr>
-              <a:t>var</a:t>
-            </a:r>
-            <a:r>
-              <a:rPr lang="en-US" sz="1500" dirty="0">
-                <a:solidFill>
-                  <a:srgbClr val="000000"/>
-                </a:solidFill>
-                <a:latin typeface="Cascadia Mono" panose="020B0609020000020004" pitchFamily="49" charset="0"/>
-              </a:rPr>
-              <a:t> ID = </a:t>
-            </a:r>
-            <a:r>
-              <a:rPr lang="en-US" sz="1500" dirty="0" err="1">
-                <a:solidFill>
-                  <a:srgbClr val="000000"/>
-                </a:solidFill>
-                <a:latin typeface="Cascadia Mono" panose="020B0609020000020004" pitchFamily="49" charset="0"/>
-              </a:rPr>
-              <a:t>video.id.videoId</a:t>
-            </a:r>
-            <a:r>
-              <a:rPr lang="en-US" sz="1500" dirty="0">
-                <a:solidFill>
-                  <a:srgbClr val="000000"/>
-                </a:solidFill>
-                <a:latin typeface="Cascadia Mono" panose="020B0609020000020004" pitchFamily="49" charset="0"/>
-              </a:rPr>
-              <a:t>;</a:t>
-            </a:r>
-          </a:p>
-          <a:p>
-            <a:r>
-              <a:rPr lang="nn-NO" sz="1500" dirty="0">
-                <a:solidFill>
-                  <a:srgbClr val="0000FF"/>
-                </a:solidFill>
-                <a:latin typeface="Cascadia Mono" panose="020B0609020000020004" pitchFamily="49" charset="0"/>
-              </a:rPr>
-              <a:t>var</a:t>
-            </a:r>
-            <a:r>
-              <a:rPr lang="nn-NO" sz="1500" dirty="0">
-                <a:solidFill>
-                  <a:srgbClr val="000000"/>
-                </a:solidFill>
-                <a:latin typeface="Cascadia Mono" panose="020B0609020000020004" pitchFamily="49" charset="0"/>
-              </a:rPr>
-              <a:t> title = video.snippet.title;</a:t>
-            </a:r>
-          </a:p>
-          <a:p>
-            <a:endParaRPr lang="en-US" sz="1500" dirty="0">
-              <a:solidFill>
-                <a:srgbClr val="000000"/>
-              </a:solidFill>
-              <a:latin typeface="Cascadia Mono" panose="020B0609020000020004" pitchFamily="49" charset="0"/>
-            </a:endParaRPr>
-          </a:p>
-          <a:p>
-            <a:r>
-              <a:rPr lang="en-US" sz="1500" dirty="0">
-                <a:solidFill>
-                  <a:srgbClr val="008000"/>
-                </a:solidFill>
-                <a:latin typeface="Cascadia Mono" panose="020B0609020000020004" pitchFamily="49" charset="0"/>
-              </a:rPr>
-              <a:t>//Set Division</a:t>
-            </a:r>
-            <a:endParaRPr lang="en-US" sz="1500" dirty="0">
-              <a:solidFill>
-                <a:srgbClr val="000000"/>
-              </a:solidFill>
-              <a:latin typeface="Cascadia Mono" panose="020B0609020000020004" pitchFamily="49" charset="0"/>
-            </a:endParaRPr>
-          </a:p>
-          <a:p>
-            <a:r>
-              <a:rPr lang="en-US" sz="1500" dirty="0">
-                <a:solidFill>
-                  <a:srgbClr val="0000FF"/>
-                </a:solidFill>
-                <a:latin typeface="Cascadia Mono" panose="020B0609020000020004" pitchFamily="49" charset="0"/>
-              </a:rPr>
-              <a:t>let</a:t>
-            </a:r>
-            <a:r>
-              <a:rPr lang="en-US" sz="1500" dirty="0">
-                <a:solidFill>
-                  <a:srgbClr val="000000"/>
-                </a:solidFill>
-                <a:latin typeface="Cascadia Mono" panose="020B0609020000020004" pitchFamily="49" charset="0"/>
-              </a:rPr>
-              <a:t> </a:t>
-            </a:r>
-            <a:r>
-              <a:rPr lang="en-US" sz="1500" dirty="0" err="1">
-                <a:solidFill>
-                  <a:srgbClr val="000000"/>
-                </a:solidFill>
-                <a:latin typeface="Cascadia Mono" panose="020B0609020000020004" pitchFamily="49" charset="0"/>
-              </a:rPr>
-              <a:t>imageBox</a:t>
-            </a:r>
-            <a:r>
-              <a:rPr lang="en-US" sz="1500" dirty="0">
-                <a:solidFill>
-                  <a:srgbClr val="000000"/>
-                </a:solidFill>
-                <a:latin typeface="Cascadia Mono" panose="020B0609020000020004" pitchFamily="49" charset="0"/>
-              </a:rPr>
-              <a:t> = $(</a:t>
-            </a:r>
-            <a:r>
-              <a:rPr lang="en-US" sz="1500" dirty="0">
-                <a:solidFill>
-                  <a:srgbClr val="A31515"/>
-                </a:solidFill>
-                <a:latin typeface="Cascadia Mono" panose="020B0609020000020004" pitchFamily="49" charset="0"/>
-              </a:rPr>
-              <a:t>'&lt;div&gt;'</a:t>
-            </a:r>
-            <a:r>
-              <a:rPr lang="en-US" sz="1500" dirty="0">
-                <a:solidFill>
-                  <a:srgbClr val="000000"/>
-                </a:solidFill>
-                <a:latin typeface="Cascadia Mono" panose="020B0609020000020004" pitchFamily="49" charset="0"/>
-              </a:rPr>
-              <a:t>);</a:t>
-            </a:r>
-          </a:p>
-          <a:p>
-            <a:r>
-              <a:rPr lang="en-US" sz="1500" dirty="0" err="1">
-                <a:solidFill>
-                  <a:srgbClr val="000000"/>
-                </a:solidFill>
-                <a:latin typeface="Cascadia Mono" panose="020B0609020000020004" pitchFamily="49" charset="0"/>
-              </a:rPr>
-              <a:t>imageBox.attr</a:t>
-            </a:r>
-            <a:r>
-              <a:rPr lang="en-US" sz="1500" dirty="0">
-                <a:solidFill>
-                  <a:srgbClr val="000000"/>
-                </a:solidFill>
-                <a:latin typeface="Cascadia Mono" panose="020B0609020000020004" pitchFamily="49" charset="0"/>
-              </a:rPr>
-              <a:t>(</a:t>
-            </a:r>
-            <a:r>
-              <a:rPr lang="en-US" sz="1500" dirty="0">
-                <a:solidFill>
-                  <a:srgbClr val="A31515"/>
-                </a:solidFill>
-                <a:latin typeface="Cascadia Mono" panose="020B0609020000020004" pitchFamily="49" charset="0"/>
-              </a:rPr>
-              <a:t>'class'</a:t>
-            </a:r>
-            <a:r>
-              <a:rPr lang="en-US" sz="1500" dirty="0">
-                <a:solidFill>
-                  <a:srgbClr val="000000"/>
-                </a:solidFill>
-                <a:latin typeface="Cascadia Mono" panose="020B0609020000020004" pitchFamily="49" charset="0"/>
-              </a:rPr>
-              <a:t>, </a:t>
-            </a:r>
-            <a:r>
-              <a:rPr lang="en-US" sz="1500" dirty="0">
-                <a:solidFill>
-                  <a:srgbClr val="A31515"/>
-                </a:solidFill>
-                <a:latin typeface="Cascadia Mono" panose="020B0609020000020004" pitchFamily="49" charset="0"/>
-              </a:rPr>
-              <a:t>'box’</a:t>
-            </a:r>
-            <a:r>
-              <a:rPr lang="en-US" sz="1500" dirty="0">
-                <a:solidFill>
-                  <a:srgbClr val="000000"/>
-                </a:solidFill>
-                <a:latin typeface="Cascadia Mono" panose="020B0609020000020004" pitchFamily="49" charset="0"/>
-              </a:rPr>
-              <a:t>)</a:t>
-            </a:r>
-          </a:p>
-          <a:p>
-            <a:r>
-              <a:rPr lang="en-US" sz="1500" dirty="0">
-                <a:solidFill>
-                  <a:srgbClr val="008000"/>
-                </a:solidFill>
-                <a:latin typeface="Cascadia Mono" panose="020B0609020000020004" pitchFamily="49" charset="0"/>
-              </a:rPr>
-              <a:t>//Set link</a:t>
-            </a:r>
-            <a:endParaRPr lang="en-US" sz="1500" dirty="0">
-              <a:solidFill>
-                <a:srgbClr val="000000"/>
-              </a:solidFill>
-              <a:latin typeface="Cascadia Mono" panose="020B0609020000020004" pitchFamily="49" charset="0"/>
-            </a:endParaRPr>
-          </a:p>
-          <a:p>
-            <a:r>
-              <a:rPr lang="en-US" sz="1500" dirty="0">
-                <a:solidFill>
-                  <a:srgbClr val="0000FF"/>
-                </a:solidFill>
-                <a:latin typeface="Cascadia Mono" panose="020B0609020000020004" pitchFamily="49" charset="0"/>
-              </a:rPr>
-              <a:t>let</a:t>
-            </a:r>
-            <a:r>
-              <a:rPr lang="en-US" sz="1500" dirty="0">
-                <a:solidFill>
-                  <a:srgbClr val="000000"/>
-                </a:solidFill>
-                <a:latin typeface="Cascadia Mono" panose="020B0609020000020004" pitchFamily="49" charset="0"/>
-              </a:rPr>
-              <a:t> a=$(</a:t>
-            </a:r>
-            <a:r>
-              <a:rPr lang="en-US" sz="1500" dirty="0">
-                <a:solidFill>
-                  <a:srgbClr val="A31515"/>
-                </a:solidFill>
-                <a:latin typeface="Cascadia Mono" panose="020B0609020000020004" pitchFamily="49" charset="0"/>
-              </a:rPr>
-              <a:t>'&lt;a&gt;'</a:t>
-            </a:r>
-            <a:r>
-              <a:rPr lang="en-US" sz="1500" dirty="0">
-                <a:solidFill>
-                  <a:srgbClr val="000000"/>
-                </a:solidFill>
-                <a:latin typeface="Cascadia Mono" panose="020B0609020000020004" pitchFamily="49" charset="0"/>
-              </a:rPr>
-              <a:t>)</a:t>
-            </a:r>
-          </a:p>
-          <a:p>
-            <a:r>
-              <a:rPr lang="en-US" sz="1500" dirty="0" err="1">
-                <a:solidFill>
-                  <a:srgbClr val="000000"/>
-                </a:solidFill>
-                <a:latin typeface="Cascadia Mono" panose="020B0609020000020004" pitchFamily="49" charset="0"/>
-              </a:rPr>
-              <a:t>a.attr</a:t>
-            </a:r>
-            <a:r>
-              <a:rPr lang="en-US" sz="1500" dirty="0">
-                <a:solidFill>
-                  <a:srgbClr val="000000"/>
-                </a:solidFill>
-                <a:latin typeface="Cascadia Mono" panose="020B0609020000020004" pitchFamily="49" charset="0"/>
-              </a:rPr>
-              <a:t>(</a:t>
-            </a:r>
-            <a:r>
-              <a:rPr lang="en-US" sz="1500" dirty="0">
-                <a:solidFill>
-                  <a:srgbClr val="A31515"/>
-                </a:solidFill>
-                <a:latin typeface="Cascadia Mono" panose="020B0609020000020004" pitchFamily="49" charset="0"/>
-              </a:rPr>
-              <a:t>'</a:t>
-            </a:r>
-            <a:r>
-              <a:rPr lang="en-US" sz="1500" dirty="0" err="1">
-                <a:solidFill>
-                  <a:srgbClr val="A31515"/>
-                </a:solidFill>
-                <a:latin typeface="Cascadia Mono" panose="020B0609020000020004" pitchFamily="49" charset="0"/>
-              </a:rPr>
-              <a:t>href</a:t>
-            </a:r>
-            <a:r>
-              <a:rPr lang="en-US" sz="1500" dirty="0">
-                <a:solidFill>
-                  <a:srgbClr val="A31515"/>
-                </a:solidFill>
-                <a:latin typeface="Cascadia Mono" panose="020B0609020000020004" pitchFamily="49" charset="0"/>
-              </a:rPr>
-              <a:t>'</a:t>
-            </a:r>
-            <a:r>
-              <a:rPr lang="en-US" sz="1500" dirty="0">
-                <a:solidFill>
-                  <a:srgbClr val="000000"/>
-                </a:solidFill>
-                <a:latin typeface="Cascadia Mono" panose="020B0609020000020004" pitchFamily="49" charset="0"/>
-              </a:rPr>
-              <a:t>, </a:t>
-            </a:r>
-            <a:r>
-              <a:rPr lang="en-US" sz="1500" dirty="0">
-                <a:solidFill>
-                  <a:srgbClr val="A31515"/>
-                </a:solidFill>
-                <a:latin typeface="Cascadia Mono" panose="020B0609020000020004" pitchFamily="49" charset="0"/>
-              </a:rPr>
-              <a:t>"https://www.youtube.com/watch?v="</a:t>
-            </a:r>
-            <a:r>
-              <a:rPr lang="en-US" sz="1500" dirty="0">
-                <a:solidFill>
-                  <a:srgbClr val="000000"/>
-                </a:solidFill>
-                <a:latin typeface="Cascadia Mono" panose="020B0609020000020004" pitchFamily="49" charset="0"/>
-              </a:rPr>
-              <a:t> + ID );</a:t>
-            </a:r>
-          </a:p>
-          <a:p>
-            <a:r>
-              <a:rPr lang="en-US" sz="1500" dirty="0" err="1">
-                <a:solidFill>
-                  <a:srgbClr val="000000"/>
-                </a:solidFill>
-                <a:latin typeface="Cascadia Mono" panose="020B0609020000020004" pitchFamily="49" charset="0"/>
-              </a:rPr>
-              <a:t>a.attr</a:t>
-            </a:r>
-            <a:r>
-              <a:rPr lang="en-US" sz="1500" dirty="0">
-                <a:solidFill>
-                  <a:srgbClr val="000000"/>
-                </a:solidFill>
-                <a:latin typeface="Cascadia Mono" panose="020B0609020000020004" pitchFamily="49" charset="0"/>
-              </a:rPr>
-              <a:t>(</a:t>
-            </a:r>
-            <a:r>
-              <a:rPr lang="en-US" sz="1500" dirty="0">
-                <a:solidFill>
-                  <a:srgbClr val="A31515"/>
-                </a:solidFill>
-                <a:latin typeface="Cascadia Mono" panose="020B0609020000020004" pitchFamily="49" charset="0"/>
-              </a:rPr>
-              <a:t>'data-</a:t>
-            </a:r>
-            <a:r>
-              <a:rPr lang="en-US" sz="1500" dirty="0" err="1">
-                <a:solidFill>
-                  <a:srgbClr val="A31515"/>
-                </a:solidFill>
-                <a:latin typeface="Cascadia Mono" panose="020B0609020000020004" pitchFamily="49" charset="0"/>
-              </a:rPr>
-              <a:t>fancybox</a:t>
-            </a:r>
-            <a:r>
-              <a:rPr lang="en-US" sz="1500" dirty="0">
-                <a:solidFill>
-                  <a:srgbClr val="A31515"/>
-                </a:solidFill>
-                <a:latin typeface="Cascadia Mono" panose="020B0609020000020004" pitchFamily="49" charset="0"/>
-              </a:rPr>
-              <a:t>'</a:t>
-            </a:r>
-            <a:r>
-              <a:rPr lang="en-US" sz="1500" dirty="0">
-                <a:solidFill>
-                  <a:srgbClr val="000000"/>
-                </a:solidFill>
-                <a:latin typeface="Cascadia Mono" panose="020B0609020000020004" pitchFamily="49" charset="0"/>
-              </a:rPr>
-              <a:t>,</a:t>
-            </a:r>
-            <a:r>
-              <a:rPr lang="en-US" sz="1500" dirty="0">
-                <a:solidFill>
-                  <a:srgbClr val="A31515"/>
-                </a:solidFill>
-                <a:latin typeface="Cascadia Mono" panose="020B0609020000020004" pitchFamily="49" charset="0"/>
-              </a:rPr>
-              <a:t>''</a:t>
-            </a:r>
-            <a:r>
-              <a:rPr lang="en-US" sz="1500" dirty="0">
-                <a:solidFill>
-                  <a:srgbClr val="000000"/>
-                </a:solidFill>
-                <a:latin typeface="Cascadia Mono" panose="020B0609020000020004" pitchFamily="49" charset="0"/>
-              </a:rPr>
-              <a:t>)</a:t>
-            </a:r>
-            <a:endParaRPr lang="en-US" sz="1500" dirty="0"/>
-          </a:p>
-        </p:txBody>
-      </p:sp>
+      </p:pic>
+      <p:pic>
+        <p:nvPicPr>
+          <p:cNvPr id="7" name="Picture 6">
+            <a:extLst>
+              <a:ext uri="{FF2B5EF4-FFF2-40B4-BE49-F238E27FC236}">
+                <a16:creationId xmlns:a16="http://schemas.microsoft.com/office/drawing/2014/main" id="{72E4B153-686A-4336-91EF-0ED54F6F8204}"/>
+              </a:ext>
+            </a:extLst>
+          </p:cNvPr>
+          <p:cNvPicPr>
+            <a:picLocks noChangeAspect="1"/>
+          </p:cNvPicPr>
+          <p:nvPr/>
+        </p:nvPicPr>
+        <p:blipFill>
+          <a:blip r:embed="rId3"/>
+          <a:stretch>
+            <a:fillRect/>
+          </a:stretch>
+        </p:blipFill>
+        <p:spPr>
+          <a:xfrm>
+            <a:off x="6757737" y="1690688"/>
+            <a:ext cx="4698102" cy="4486275"/>
+          </a:xfrm>
+          <a:prstGeom prst="rect">
+            <a:avLst/>
+          </a:prstGeom>
+        </p:spPr>
+      </p:pic>
     </p:spTree>
     <p:extLst>
       <p:ext uri="{BB962C8B-B14F-4D97-AF65-F5344CB8AC3E}">
-        <p14:creationId xmlns:p14="http://schemas.microsoft.com/office/powerpoint/2010/main" val="2311569333"/>
+        <p14:creationId xmlns:p14="http://schemas.microsoft.com/office/powerpoint/2010/main" val="3202750879"/>
       </p:ext>
     </p:extLst>
   </p:cSld>
